--- a/Slides/Fig7.pptx
+++ b/Slides/Fig7.pptx
@@ -104,11 +104,6 @@
       </a:defRPr>
     </a:lvl9pPr>
   </p:defaultTextStyle>
-  <p:extLst>
-    <p:ext uri="{EFAFB233-063F-42B5-8137-9DF3F51BA10A}">
-      <p15:sldGuideLst xmlns:p15="http://schemas.microsoft.com/office/powerpoint/2012/main"/>
-    </p:ext>
-  </p:extLst>
 </p:presentation>
 </file>
 
@@ -134,7 +129,7 @@
           <p:cNvPr id="2" name="Titolo 1">
             <a:extLst>
               <a:ext uri="{FF2B5EF4-FFF2-40B4-BE49-F238E27FC236}">
-                <a16:creationId xmlns:a16="http://schemas.microsoft.com/office/drawing/2014/main" id="{1C9FC4D7-B3AC-B4C0-0F52-BDAEEAF72685}"/>
+                <a16:creationId xmlns:a16="http://schemas.microsoft.com/office/drawing/2014/main" id="{F6DAFCEE-DBF8-C3B4-DD53-BCB54BDF62E1}"/>
               </a:ext>
             </a:extLst>
           </p:cNvPr>
@@ -171,7 +166,7 @@
           <p:cNvPr id="3" name="Sottotitolo 2">
             <a:extLst>
               <a:ext uri="{FF2B5EF4-FFF2-40B4-BE49-F238E27FC236}">
-                <a16:creationId xmlns:a16="http://schemas.microsoft.com/office/drawing/2014/main" id="{5268DB03-7502-7840-CE84-84309BAEBA78}"/>
+                <a16:creationId xmlns:a16="http://schemas.microsoft.com/office/drawing/2014/main" id="{7318DB5E-0DD0-7837-3A96-84DF9EF3CD90}"/>
               </a:ext>
             </a:extLst>
           </p:cNvPr>
@@ -241,7 +236,7 @@
           <p:cNvPr id="4" name="Segnaposto data 3">
             <a:extLst>
               <a:ext uri="{FF2B5EF4-FFF2-40B4-BE49-F238E27FC236}">
-                <a16:creationId xmlns:a16="http://schemas.microsoft.com/office/drawing/2014/main" id="{635AE48A-D806-DA38-7AAB-9B9C9F544273}"/>
+                <a16:creationId xmlns:a16="http://schemas.microsoft.com/office/drawing/2014/main" id="{514B82DE-3476-868F-3331-04442CC25BEA}"/>
               </a:ext>
             </a:extLst>
           </p:cNvPr>
@@ -257,9 +252,9 @@
           <a:bodyPr/>
           <a:lstStyle/>
           <a:p>
-            <a:fld id="{CED95E0A-A51C-457C-8A9F-5CFC582E428A}" type="datetimeFigureOut">
+            <a:fld id="{9E48F2BF-59AF-471F-B96B-50E3666E5284}" type="datetimeFigureOut">
               <a:rPr lang="it-IT" smtClean="0"/>
-              <a:t>07/02/2023</a:t>
+              <a:t>08/02/2023</a:t>
             </a:fld>
             <a:endParaRPr lang="it-IT"/>
           </a:p>
@@ -270,7 +265,7 @@
           <p:cNvPr id="5" name="Segnaposto piè di pagina 4">
             <a:extLst>
               <a:ext uri="{FF2B5EF4-FFF2-40B4-BE49-F238E27FC236}">
-                <a16:creationId xmlns:a16="http://schemas.microsoft.com/office/drawing/2014/main" id="{C8E424F6-1092-5721-0A94-DD3EF22C17CF}"/>
+                <a16:creationId xmlns:a16="http://schemas.microsoft.com/office/drawing/2014/main" id="{8DC35B8D-C88C-2617-7D3C-8A6B84706496}"/>
               </a:ext>
             </a:extLst>
           </p:cNvPr>
@@ -295,7 +290,7 @@
           <p:cNvPr id="6" name="Segnaposto numero diapositiva 5">
             <a:extLst>
               <a:ext uri="{FF2B5EF4-FFF2-40B4-BE49-F238E27FC236}">
-                <a16:creationId xmlns:a16="http://schemas.microsoft.com/office/drawing/2014/main" id="{77B322E7-AD8C-5780-F152-2303D72E15BB}"/>
+                <a16:creationId xmlns:a16="http://schemas.microsoft.com/office/drawing/2014/main" id="{9470C2BF-7834-9D4B-3C72-A6C590971906}"/>
               </a:ext>
             </a:extLst>
           </p:cNvPr>
@@ -311,7 +306,7 @@
           <a:bodyPr/>
           <a:lstStyle/>
           <a:p>
-            <a:fld id="{3D337251-BDAC-4C2A-A50F-1C9D70009F78}" type="slidenum">
+            <a:fld id="{94ECE652-62F8-42F9-9509-0B2E84FA009D}" type="slidenum">
               <a:rPr lang="it-IT" smtClean="0"/>
               <a:t>‹N›</a:t>
             </a:fld>
@@ -322,7 +317,7 @@
     </p:spTree>
     <p:extLst>
       <p:ext uri="{BB962C8B-B14F-4D97-AF65-F5344CB8AC3E}">
-        <p14:creationId xmlns:p14="http://schemas.microsoft.com/office/powerpoint/2010/main" val="945725544"/>
+        <p14:creationId xmlns:p14="http://schemas.microsoft.com/office/powerpoint/2010/main" val="4269649416"/>
       </p:ext>
     </p:extLst>
   </p:cSld>
@@ -354,7 +349,7 @@
           <p:cNvPr id="2" name="Titolo 1">
             <a:extLst>
               <a:ext uri="{FF2B5EF4-FFF2-40B4-BE49-F238E27FC236}">
-                <a16:creationId xmlns:a16="http://schemas.microsoft.com/office/drawing/2014/main" id="{A3B37611-F360-A224-B6FE-F6ABBB70B3AC}"/>
+                <a16:creationId xmlns:a16="http://schemas.microsoft.com/office/drawing/2014/main" id="{E8FC3B71-7B46-B74C-C50D-AB27D5DA6B7C}"/>
               </a:ext>
             </a:extLst>
           </p:cNvPr>
@@ -382,7 +377,7 @@
           <p:cNvPr id="3" name="Segnaposto testo verticale 2">
             <a:extLst>
               <a:ext uri="{FF2B5EF4-FFF2-40B4-BE49-F238E27FC236}">
-                <a16:creationId xmlns:a16="http://schemas.microsoft.com/office/drawing/2014/main" id="{68DDDDCD-536B-4945-DC35-A4B5D1AC8B76}"/>
+                <a16:creationId xmlns:a16="http://schemas.microsoft.com/office/drawing/2014/main" id="{3F237CA4-6B18-F23B-3175-33A74DA4A43E}"/>
               </a:ext>
             </a:extLst>
           </p:cNvPr>
@@ -439,7 +434,7 @@
           <p:cNvPr id="4" name="Segnaposto data 3">
             <a:extLst>
               <a:ext uri="{FF2B5EF4-FFF2-40B4-BE49-F238E27FC236}">
-                <a16:creationId xmlns:a16="http://schemas.microsoft.com/office/drawing/2014/main" id="{7C965AA8-5F99-FDCC-A0AE-620AF364B867}"/>
+                <a16:creationId xmlns:a16="http://schemas.microsoft.com/office/drawing/2014/main" id="{A4AE8A55-8900-292F-2EFF-41BEB18DA8AB}"/>
               </a:ext>
             </a:extLst>
           </p:cNvPr>
@@ -455,9 +450,9 @@
           <a:bodyPr/>
           <a:lstStyle/>
           <a:p>
-            <a:fld id="{CED95E0A-A51C-457C-8A9F-5CFC582E428A}" type="datetimeFigureOut">
+            <a:fld id="{9E48F2BF-59AF-471F-B96B-50E3666E5284}" type="datetimeFigureOut">
               <a:rPr lang="it-IT" smtClean="0"/>
-              <a:t>07/02/2023</a:t>
+              <a:t>08/02/2023</a:t>
             </a:fld>
             <a:endParaRPr lang="it-IT"/>
           </a:p>
@@ -468,7 +463,7 @@
           <p:cNvPr id="5" name="Segnaposto piè di pagina 4">
             <a:extLst>
               <a:ext uri="{FF2B5EF4-FFF2-40B4-BE49-F238E27FC236}">
-                <a16:creationId xmlns:a16="http://schemas.microsoft.com/office/drawing/2014/main" id="{AAC65519-3148-D2EA-E542-4D99CD3F449D}"/>
+                <a16:creationId xmlns:a16="http://schemas.microsoft.com/office/drawing/2014/main" id="{0776112C-D2C1-E8AD-BF76-F434CE0D07D2}"/>
               </a:ext>
             </a:extLst>
           </p:cNvPr>
@@ -493,7 +488,7 @@
           <p:cNvPr id="6" name="Segnaposto numero diapositiva 5">
             <a:extLst>
               <a:ext uri="{FF2B5EF4-FFF2-40B4-BE49-F238E27FC236}">
-                <a16:creationId xmlns:a16="http://schemas.microsoft.com/office/drawing/2014/main" id="{F83E9F29-C246-36F1-F44A-28CA67EFFC55}"/>
+                <a16:creationId xmlns:a16="http://schemas.microsoft.com/office/drawing/2014/main" id="{3A050559-382F-02C2-2393-DC5CD6AB5F15}"/>
               </a:ext>
             </a:extLst>
           </p:cNvPr>
@@ -509,7 +504,7 @@
           <a:bodyPr/>
           <a:lstStyle/>
           <a:p>
-            <a:fld id="{3D337251-BDAC-4C2A-A50F-1C9D70009F78}" type="slidenum">
+            <a:fld id="{94ECE652-62F8-42F9-9509-0B2E84FA009D}" type="slidenum">
               <a:rPr lang="it-IT" smtClean="0"/>
               <a:t>‹N›</a:t>
             </a:fld>
@@ -520,7 +515,7 @@
     </p:spTree>
     <p:extLst>
       <p:ext uri="{BB962C8B-B14F-4D97-AF65-F5344CB8AC3E}">
-        <p14:creationId xmlns:p14="http://schemas.microsoft.com/office/powerpoint/2010/main" val="3396271646"/>
+        <p14:creationId xmlns:p14="http://schemas.microsoft.com/office/powerpoint/2010/main" val="2929696094"/>
       </p:ext>
     </p:extLst>
   </p:cSld>
@@ -552,7 +547,7 @@
           <p:cNvPr id="2" name="Titolo verticale 1">
             <a:extLst>
               <a:ext uri="{FF2B5EF4-FFF2-40B4-BE49-F238E27FC236}">
-                <a16:creationId xmlns:a16="http://schemas.microsoft.com/office/drawing/2014/main" id="{CD238EF6-7EBC-5441-0084-6B69E5F63A23}"/>
+                <a16:creationId xmlns:a16="http://schemas.microsoft.com/office/drawing/2014/main" id="{C89FFB6F-8503-8EF6-8113-8A67F163902D}"/>
               </a:ext>
             </a:extLst>
           </p:cNvPr>
@@ -585,7 +580,7 @@
           <p:cNvPr id="3" name="Segnaposto testo verticale 2">
             <a:extLst>
               <a:ext uri="{FF2B5EF4-FFF2-40B4-BE49-F238E27FC236}">
-                <a16:creationId xmlns:a16="http://schemas.microsoft.com/office/drawing/2014/main" id="{5D9CF8F5-1A6F-F767-5F39-A987DE695CDF}"/>
+                <a16:creationId xmlns:a16="http://schemas.microsoft.com/office/drawing/2014/main" id="{A66B5A95-5C96-66DC-F74D-A1EC53163395}"/>
               </a:ext>
             </a:extLst>
           </p:cNvPr>
@@ -647,7 +642,7 @@
           <p:cNvPr id="4" name="Segnaposto data 3">
             <a:extLst>
               <a:ext uri="{FF2B5EF4-FFF2-40B4-BE49-F238E27FC236}">
-                <a16:creationId xmlns:a16="http://schemas.microsoft.com/office/drawing/2014/main" id="{2473DBC7-FA10-8B1D-0747-C9556E5D39AD}"/>
+                <a16:creationId xmlns:a16="http://schemas.microsoft.com/office/drawing/2014/main" id="{DB6DBF1E-BCD2-017A-14EF-873FAEC1EF3A}"/>
               </a:ext>
             </a:extLst>
           </p:cNvPr>
@@ -663,9 +658,9 @@
           <a:bodyPr/>
           <a:lstStyle/>
           <a:p>
-            <a:fld id="{CED95E0A-A51C-457C-8A9F-5CFC582E428A}" type="datetimeFigureOut">
+            <a:fld id="{9E48F2BF-59AF-471F-B96B-50E3666E5284}" type="datetimeFigureOut">
               <a:rPr lang="it-IT" smtClean="0"/>
-              <a:t>07/02/2023</a:t>
+              <a:t>08/02/2023</a:t>
             </a:fld>
             <a:endParaRPr lang="it-IT"/>
           </a:p>
@@ -676,7 +671,7 @@
           <p:cNvPr id="5" name="Segnaposto piè di pagina 4">
             <a:extLst>
               <a:ext uri="{FF2B5EF4-FFF2-40B4-BE49-F238E27FC236}">
-                <a16:creationId xmlns:a16="http://schemas.microsoft.com/office/drawing/2014/main" id="{C6BB4324-CE97-29CF-E174-6FB9CBD92AEC}"/>
+                <a16:creationId xmlns:a16="http://schemas.microsoft.com/office/drawing/2014/main" id="{EE6BE7B6-1FB2-236B-112E-BAF51195A613}"/>
               </a:ext>
             </a:extLst>
           </p:cNvPr>
@@ -701,7 +696,7 @@
           <p:cNvPr id="6" name="Segnaposto numero diapositiva 5">
             <a:extLst>
               <a:ext uri="{FF2B5EF4-FFF2-40B4-BE49-F238E27FC236}">
-                <a16:creationId xmlns:a16="http://schemas.microsoft.com/office/drawing/2014/main" id="{33E4209A-639A-2662-02EC-5040071486F9}"/>
+                <a16:creationId xmlns:a16="http://schemas.microsoft.com/office/drawing/2014/main" id="{39E65FF7-2DC7-F0DC-83AA-EC4588A5E72A}"/>
               </a:ext>
             </a:extLst>
           </p:cNvPr>
@@ -717,7 +712,7 @@
           <a:bodyPr/>
           <a:lstStyle/>
           <a:p>
-            <a:fld id="{3D337251-BDAC-4C2A-A50F-1C9D70009F78}" type="slidenum">
+            <a:fld id="{94ECE652-62F8-42F9-9509-0B2E84FA009D}" type="slidenum">
               <a:rPr lang="it-IT" smtClean="0"/>
               <a:t>‹N›</a:t>
             </a:fld>
@@ -728,7 +723,7 @@
     </p:spTree>
     <p:extLst>
       <p:ext uri="{BB962C8B-B14F-4D97-AF65-F5344CB8AC3E}">
-        <p14:creationId xmlns:p14="http://schemas.microsoft.com/office/powerpoint/2010/main" val="2274829027"/>
+        <p14:creationId xmlns:p14="http://schemas.microsoft.com/office/powerpoint/2010/main" val="2544387251"/>
       </p:ext>
     </p:extLst>
   </p:cSld>
@@ -760,7 +755,7 @@
           <p:cNvPr id="2" name="Titolo 1">
             <a:extLst>
               <a:ext uri="{FF2B5EF4-FFF2-40B4-BE49-F238E27FC236}">
-                <a16:creationId xmlns:a16="http://schemas.microsoft.com/office/drawing/2014/main" id="{DB5568EA-BC80-6023-3168-1DBFBB3A23A4}"/>
+                <a16:creationId xmlns:a16="http://schemas.microsoft.com/office/drawing/2014/main" id="{2EB90C77-9026-E94A-B10D-5D58C63E6BFD}"/>
               </a:ext>
             </a:extLst>
           </p:cNvPr>
@@ -788,7 +783,7 @@
           <p:cNvPr id="3" name="Segnaposto contenuto 2">
             <a:extLst>
               <a:ext uri="{FF2B5EF4-FFF2-40B4-BE49-F238E27FC236}">
-                <a16:creationId xmlns:a16="http://schemas.microsoft.com/office/drawing/2014/main" id="{8BC8E79E-B1D7-6D46-08E2-3BC6BB9A386B}"/>
+                <a16:creationId xmlns:a16="http://schemas.microsoft.com/office/drawing/2014/main" id="{CF48D97E-DC1D-B78E-B52B-13BF3E7599ED}"/>
               </a:ext>
             </a:extLst>
           </p:cNvPr>
@@ -845,7 +840,7 @@
           <p:cNvPr id="4" name="Segnaposto data 3">
             <a:extLst>
               <a:ext uri="{FF2B5EF4-FFF2-40B4-BE49-F238E27FC236}">
-                <a16:creationId xmlns:a16="http://schemas.microsoft.com/office/drawing/2014/main" id="{AE095030-A9AE-8CF9-1AEC-FFADD4F11567}"/>
+                <a16:creationId xmlns:a16="http://schemas.microsoft.com/office/drawing/2014/main" id="{DB1E068E-F929-56CD-3343-CB20D3F97B52}"/>
               </a:ext>
             </a:extLst>
           </p:cNvPr>
@@ -861,9 +856,9 @@
           <a:bodyPr/>
           <a:lstStyle/>
           <a:p>
-            <a:fld id="{CED95E0A-A51C-457C-8A9F-5CFC582E428A}" type="datetimeFigureOut">
+            <a:fld id="{9E48F2BF-59AF-471F-B96B-50E3666E5284}" type="datetimeFigureOut">
               <a:rPr lang="it-IT" smtClean="0"/>
-              <a:t>07/02/2023</a:t>
+              <a:t>08/02/2023</a:t>
             </a:fld>
             <a:endParaRPr lang="it-IT"/>
           </a:p>
@@ -874,7 +869,7 @@
           <p:cNvPr id="5" name="Segnaposto piè di pagina 4">
             <a:extLst>
               <a:ext uri="{FF2B5EF4-FFF2-40B4-BE49-F238E27FC236}">
-                <a16:creationId xmlns:a16="http://schemas.microsoft.com/office/drawing/2014/main" id="{64736E6B-85BC-2AD7-BB84-96ADEE355057}"/>
+                <a16:creationId xmlns:a16="http://schemas.microsoft.com/office/drawing/2014/main" id="{36260FB0-2F8D-BEDB-979C-7988F50D5040}"/>
               </a:ext>
             </a:extLst>
           </p:cNvPr>
@@ -899,7 +894,7 @@
           <p:cNvPr id="6" name="Segnaposto numero diapositiva 5">
             <a:extLst>
               <a:ext uri="{FF2B5EF4-FFF2-40B4-BE49-F238E27FC236}">
-                <a16:creationId xmlns:a16="http://schemas.microsoft.com/office/drawing/2014/main" id="{264C6710-4834-52BC-1173-17C02F9766E7}"/>
+                <a16:creationId xmlns:a16="http://schemas.microsoft.com/office/drawing/2014/main" id="{1D3C9FB2-A20B-D836-49A4-9569785455E6}"/>
               </a:ext>
             </a:extLst>
           </p:cNvPr>
@@ -915,7 +910,7 @@
           <a:bodyPr/>
           <a:lstStyle/>
           <a:p>
-            <a:fld id="{3D337251-BDAC-4C2A-A50F-1C9D70009F78}" type="slidenum">
+            <a:fld id="{94ECE652-62F8-42F9-9509-0B2E84FA009D}" type="slidenum">
               <a:rPr lang="it-IT" smtClean="0"/>
               <a:t>‹N›</a:t>
             </a:fld>
@@ -926,7 +921,7 @@
     </p:spTree>
     <p:extLst>
       <p:ext uri="{BB962C8B-B14F-4D97-AF65-F5344CB8AC3E}">
-        <p14:creationId xmlns:p14="http://schemas.microsoft.com/office/powerpoint/2010/main" val="2388597134"/>
+        <p14:creationId xmlns:p14="http://schemas.microsoft.com/office/powerpoint/2010/main" val="1297367036"/>
       </p:ext>
     </p:extLst>
   </p:cSld>
@@ -958,7 +953,7 @@
           <p:cNvPr id="2" name="Titolo 1">
             <a:extLst>
               <a:ext uri="{FF2B5EF4-FFF2-40B4-BE49-F238E27FC236}">
-                <a16:creationId xmlns:a16="http://schemas.microsoft.com/office/drawing/2014/main" id="{4CCAAEE7-B628-6510-9507-0E8F8990F4B1}"/>
+                <a16:creationId xmlns:a16="http://schemas.microsoft.com/office/drawing/2014/main" id="{5EAEE238-CF8B-6250-8196-977450A42492}"/>
               </a:ext>
             </a:extLst>
           </p:cNvPr>
@@ -995,7 +990,7 @@
           <p:cNvPr id="3" name="Segnaposto testo 2">
             <a:extLst>
               <a:ext uri="{FF2B5EF4-FFF2-40B4-BE49-F238E27FC236}">
-                <a16:creationId xmlns:a16="http://schemas.microsoft.com/office/drawing/2014/main" id="{799D25EC-4EE7-F258-4892-A3701B5B178B}"/>
+                <a16:creationId xmlns:a16="http://schemas.microsoft.com/office/drawing/2014/main" id="{5B352D57-7064-1ACD-4053-32F9E56E8070}"/>
               </a:ext>
             </a:extLst>
           </p:cNvPr>
@@ -1120,7 +1115,7 @@
           <p:cNvPr id="4" name="Segnaposto data 3">
             <a:extLst>
               <a:ext uri="{FF2B5EF4-FFF2-40B4-BE49-F238E27FC236}">
-                <a16:creationId xmlns:a16="http://schemas.microsoft.com/office/drawing/2014/main" id="{94C89D0F-330B-2D0B-3B48-37498739CAAF}"/>
+                <a16:creationId xmlns:a16="http://schemas.microsoft.com/office/drawing/2014/main" id="{1C0910E4-8D55-56C4-980F-182BFB152719}"/>
               </a:ext>
             </a:extLst>
           </p:cNvPr>
@@ -1136,9 +1131,9 @@
           <a:bodyPr/>
           <a:lstStyle/>
           <a:p>
-            <a:fld id="{CED95E0A-A51C-457C-8A9F-5CFC582E428A}" type="datetimeFigureOut">
+            <a:fld id="{9E48F2BF-59AF-471F-B96B-50E3666E5284}" type="datetimeFigureOut">
               <a:rPr lang="it-IT" smtClean="0"/>
-              <a:t>07/02/2023</a:t>
+              <a:t>08/02/2023</a:t>
             </a:fld>
             <a:endParaRPr lang="it-IT"/>
           </a:p>
@@ -1149,7 +1144,7 @@
           <p:cNvPr id="5" name="Segnaposto piè di pagina 4">
             <a:extLst>
               <a:ext uri="{FF2B5EF4-FFF2-40B4-BE49-F238E27FC236}">
-                <a16:creationId xmlns:a16="http://schemas.microsoft.com/office/drawing/2014/main" id="{9A805F7A-8574-F2E0-7588-9BFDDD225800}"/>
+                <a16:creationId xmlns:a16="http://schemas.microsoft.com/office/drawing/2014/main" id="{24F8D602-1DF0-27C8-EFB4-3C086BAC46DD}"/>
               </a:ext>
             </a:extLst>
           </p:cNvPr>
@@ -1174,7 +1169,7 @@
           <p:cNvPr id="6" name="Segnaposto numero diapositiva 5">
             <a:extLst>
               <a:ext uri="{FF2B5EF4-FFF2-40B4-BE49-F238E27FC236}">
-                <a16:creationId xmlns:a16="http://schemas.microsoft.com/office/drawing/2014/main" id="{CAC71F79-7EB0-C40D-0EC2-F1C6ABEA62A7}"/>
+                <a16:creationId xmlns:a16="http://schemas.microsoft.com/office/drawing/2014/main" id="{8348F9EC-C8ED-AE74-8036-656A0388FD63}"/>
               </a:ext>
             </a:extLst>
           </p:cNvPr>
@@ -1190,7 +1185,7 @@
           <a:bodyPr/>
           <a:lstStyle/>
           <a:p>
-            <a:fld id="{3D337251-BDAC-4C2A-A50F-1C9D70009F78}" type="slidenum">
+            <a:fld id="{94ECE652-62F8-42F9-9509-0B2E84FA009D}" type="slidenum">
               <a:rPr lang="it-IT" smtClean="0"/>
               <a:t>‹N›</a:t>
             </a:fld>
@@ -1201,7 +1196,7 @@
     </p:spTree>
     <p:extLst>
       <p:ext uri="{BB962C8B-B14F-4D97-AF65-F5344CB8AC3E}">
-        <p14:creationId xmlns:p14="http://schemas.microsoft.com/office/powerpoint/2010/main" val="21497016"/>
+        <p14:creationId xmlns:p14="http://schemas.microsoft.com/office/powerpoint/2010/main" val="3232492160"/>
       </p:ext>
     </p:extLst>
   </p:cSld>
@@ -1233,7 +1228,7 @@
           <p:cNvPr id="2" name="Titolo 1">
             <a:extLst>
               <a:ext uri="{FF2B5EF4-FFF2-40B4-BE49-F238E27FC236}">
-                <a16:creationId xmlns:a16="http://schemas.microsoft.com/office/drawing/2014/main" id="{F8F4CC0A-464B-F42C-2981-E5E3C04B280E}"/>
+                <a16:creationId xmlns:a16="http://schemas.microsoft.com/office/drawing/2014/main" id="{4FC6B409-1482-DCE2-1E44-A80268DAC0A0}"/>
               </a:ext>
             </a:extLst>
           </p:cNvPr>
@@ -1261,7 +1256,7 @@
           <p:cNvPr id="3" name="Segnaposto contenuto 2">
             <a:extLst>
               <a:ext uri="{FF2B5EF4-FFF2-40B4-BE49-F238E27FC236}">
-                <a16:creationId xmlns:a16="http://schemas.microsoft.com/office/drawing/2014/main" id="{B59B07EE-B552-CD2B-059E-9F6802CAEEB9}"/>
+                <a16:creationId xmlns:a16="http://schemas.microsoft.com/office/drawing/2014/main" id="{46A62A26-3CD6-6721-7F41-3D30367D031C}"/>
               </a:ext>
             </a:extLst>
           </p:cNvPr>
@@ -1323,7 +1318,7 @@
           <p:cNvPr id="4" name="Segnaposto contenuto 3">
             <a:extLst>
               <a:ext uri="{FF2B5EF4-FFF2-40B4-BE49-F238E27FC236}">
-                <a16:creationId xmlns:a16="http://schemas.microsoft.com/office/drawing/2014/main" id="{32AF6100-3F74-CBF2-3A01-D370A3B3E54F}"/>
+                <a16:creationId xmlns:a16="http://schemas.microsoft.com/office/drawing/2014/main" id="{B6B3BD8B-8CEA-A164-6937-CD49769AFBDB}"/>
               </a:ext>
             </a:extLst>
           </p:cNvPr>
@@ -1385,7 +1380,7 @@
           <p:cNvPr id="5" name="Segnaposto data 4">
             <a:extLst>
               <a:ext uri="{FF2B5EF4-FFF2-40B4-BE49-F238E27FC236}">
-                <a16:creationId xmlns:a16="http://schemas.microsoft.com/office/drawing/2014/main" id="{248A4E8F-FE47-29D9-886B-E380D7B87A95}"/>
+                <a16:creationId xmlns:a16="http://schemas.microsoft.com/office/drawing/2014/main" id="{489348A6-111E-F825-4D05-1B77F159B961}"/>
               </a:ext>
             </a:extLst>
           </p:cNvPr>
@@ -1401,9 +1396,9 @@
           <a:bodyPr/>
           <a:lstStyle/>
           <a:p>
-            <a:fld id="{CED95E0A-A51C-457C-8A9F-5CFC582E428A}" type="datetimeFigureOut">
+            <a:fld id="{9E48F2BF-59AF-471F-B96B-50E3666E5284}" type="datetimeFigureOut">
               <a:rPr lang="it-IT" smtClean="0"/>
-              <a:t>07/02/2023</a:t>
+              <a:t>08/02/2023</a:t>
             </a:fld>
             <a:endParaRPr lang="it-IT"/>
           </a:p>
@@ -1414,7 +1409,7 @@
           <p:cNvPr id="6" name="Segnaposto piè di pagina 5">
             <a:extLst>
               <a:ext uri="{FF2B5EF4-FFF2-40B4-BE49-F238E27FC236}">
-                <a16:creationId xmlns:a16="http://schemas.microsoft.com/office/drawing/2014/main" id="{F035B280-DBA2-AAC9-AD53-81D7A64A13BA}"/>
+                <a16:creationId xmlns:a16="http://schemas.microsoft.com/office/drawing/2014/main" id="{39854F3A-ED26-160F-F942-B8BC0C0008AB}"/>
               </a:ext>
             </a:extLst>
           </p:cNvPr>
@@ -1439,7 +1434,7 @@
           <p:cNvPr id="7" name="Segnaposto numero diapositiva 6">
             <a:extLst>
               <a:ext uri="{FF2B5EF4-FFF2-40B4-BE49-F238E27FC236}">
-                <a16:creationId xmlns:a16="http://schemas.microsoft.com/office/drawing/2014/main" id="{F7EC0462-96E7-C90F-17BB-84E459251988}"/>
+                <a16:creationId xmlns:a16="http://schemas.microsoft.com/office/drawing/2014/main" id="{EB755CBA-D025-ACA7-2887-BD10E56A1B9B}"/>
               </a:ext>
             </a:extLst>
           </p:cNvPr>
@@ -1455,7 +1450,7 @@
           <a:bodyPr/>
           <a:lstStyle/>
           <a:p>
-            <a:fld id="{3D337251-BDAC-4C2A-A50F-1C9D70009F78}" type="slidenum">
+            <a:fld id="{94ECE652-62F8-42F9-9509-0B2E84FA009D}" type="slidenum">
               <a:rPr lang="it-IT" smtClean="0"/>
               <a:t>‹N›</a:t>
             </a:fld>
@@ -1466,7 +1461,7 @@
     </p:spTree>
     <p:extLst>
       <p:ext uri="{BB962C8B-B14F-4D97-AF65-F5344CB8AC3E}">
-        <p14:creationId xmlns:p14="http://schemas.microsoft.com/office/powerpoint/2010/main" val="2474962023"/>
+        <p14:creationId xmlns:p14="http://schemas.microsoft.com/office/powerpoint/2010/main" val="2378835893"/>
       </p:ext>
     </p:extLst>
   </p:cSld>
@@ -1498,7 +1493,7 @@
           <p:cNvPr id="2" name="Titolo 1">
             <a:extLst>
               <a:ext uri="{FF2B5EF4-FFF2-40B4-BE49-F238E27FC236}">
-                <a16:creationId xmlns:a16="http://schemas.microsoft.com/office/drawing/2014/main" id="{9ACE82C9-7C28-BFDF-7D74-12D3210DB3EE}"/>
+                <a16:creationId xmlns:a16="http://schemas.microsoft.com/office/drawing/2014/main" id="{9157A890-3982-C99A-19E6-0617D57EB2CD}"/>
               </a:ext>
             </a:extLst>
           </p:cNvPr>
@@ -1531,7 +1526,7 @@
           <p:cNvPr id="3" name="Segnaposto testo 2">
             <a:extLst>
               <a:ext uri="{FF2B5EF4-FFF2-40B4-BE49-F238E27FC236}">
-                <a16:creationId xmlns:a16="http://schemas.microsoft.com/office/drawing/2014/main" id="{B51590D1-0C7E-6D55-94B7-48BBFDAFA86A}"/>
+                <a16:creationId xmlns:a16="http://schemas.microsoft.com/office/drawing/2014/main" id="{7918BF23-0B36-A508-97EE-0A68B9F95B0B}"/>
               </a:ext>
             </a:extLst>
           </p:cNvPr>
@@ -1602,7 +1597,7 @@
           <p:cNvPr id="4" name="Segnaposto contenuto 3">
             <a:extLst>
               <a:ext uri="{FF2B5EF4-FFF2-40B4-BE49-F238E27FC236}">
-                <a16:creationId xmlns:a16="http://schemas.microsoft.com/office/drawing/2014/main" id="{4449850B-3F87-01F0-45A6-00AF94DE76A6}"/>
+                <a16:creationId xmlns:a16="http://schemas.microsoft.com/office/drawing/2014/main" id="{9A2D4015-FFDF-8BFD-F4E8-D5A75C7D1CC1}"/>
               </a:ext>
             </a:extLst>
           </p:cNvPr>
@@ -1664,7 +1659,7 @@
           <p:cNvPr id="5" name="Segnaposto testo 4">
             <a:extLst>
               <a:ext uri="{FF2B5EF4-FFF2-40B4-BE49-F238E27FC236}">
-                <a16:creationId xmlns:a16="http://schemas.microsoft.com/office/drawing/2014/main" id="{F264D50D-CE02-C078-CB41-027802891939}"/>
+                <a16:creationId xmlns:a16="http://schemas.microsoft.com/office/drawing/2014/main" id="{99F8BE3B-BB70-B4F3-DA55-474DCE11DDA8}"/>
               </a:ext>
             </a:extLst>
           </p:cNvPr>
@@ -1735,7 +1730,7 @@
           <p:cNvPr id="6" name="Segnaposto contenuto 5">
             <a:extLst>
               <a:ext uri="{FF2B5EF4-FFF2-40B4-BE49-F238E27FC236}">
-                <a16:creationId xmlns:a16="http://schemas.microsoft.com/office/drawing/2014/main" id="{B7E73526-67E1-67D3-F1C9-9306B844DCA0}"/>
+                <a16:creationId xmlns:a16="http://schemas.microsoft.com/office/drawing/2014/main" id="{EBAD0B60-A4DB-EA5C-EA6B-A93D677A640A}"/>
               </a:ext>
             </a:extLst>
           </p:cNvPr>
@@ -1797,7 +1792,7 @@
           <p:cNvPr id="7" name="Segnaposto data 6">
             <a:extLst>
               <a:ext uri="{FF2B5EF4-FFF2-40B4-BE49-F238E27FC236}">
-                <a16:creationId xmlns:a16="http://schemas.microsoft.com/office/drawing/2014/main" id="{5E32A148-6F83-EF92-576C-2594989B869E}"/>
+                <a16:creationId xmlns:a16="http://schemas.microsoft.com/office/drawing/2014/main" id="{14F60793-4885-FD5D-AE2A-642F44C5D4B6}"/>
               </a:ext>
             </a:extLst>
           </p:cNvPr>
@@ -1813,9 +1808,9 @@
           <a:bodyPr/>
           <a:lstStyle/>
           <a:p>
-            <a:fld id="{CED95E0A-A51C-457C-8A9F-5CFC582E428A}" type="datetimeFigureOut">
+            <a:fld id="{9E48F2BF-59AF-471F-B96B-50E3666E5284}" type="datetimeFigureOut">
               <a:rPr lang="it-IT" smtClean="0"/>
-              <a:t>07/02/2023</a:t>
+              <a:t>08/02/2023</a:t>
             </a:fld>
             <a:endParaRPr lang="it-IT"/>
           </a:p>
@@ -1826,7 +1821,7 @@
           <p:cNvPr id="8" name="Segnaposto piè di pagina 7">
             <a:extLst>
               <a:ext uri="{FF2B5EF4-FFF2-40B4-BE49-F238E27FC236}">
-                <a16:creationId xmlns:a16="http://schemas.microsoft.com/office/drawing/2014/main" id="{31365ADF-7C65-6E05-4A93-EB0833B27E4E}"/>
+                <a16:creationId xmlns:a16="http://schemas.microsoft.com/office/drawing/2014/main" id="{7A22DD32-DDB2-DD99-BAAE-89DF02A70BDD}"/>
               </a:ext>
             </a:extLst>
           </p:cNvPr>
@@ -1851,7 +1846,7 @@
           <p:cNvPr id="9" name="Segnaposto numero diapositiva 8">
             <a:extLst>
               <a:ext uri="{FF2B5EF4-FFF2-40B4-BE49-F238E27FC236}">
-                <a16:creationId xmlns:a16="http://schemas.microsoft.com/office/drawing/2014/main" id="{0E5E8064-3D61-3CE5-C67A-A367F50E47B7}"/>
+                <a16:creationId xmlns:a16="http://schemas.microsoft.com/office/drawing/2014/main" id="{7444558F-DFD3-1531-2C4D-2E0B3648DD8E}"/>
               </a:ext>
             </a:extLst>
           </p:cNvPr>
@@ -1867,7 +1862,7 @@
           <a:bodyPr/>
           <a:lstStyle/>
           <a:p>
-            <a:fld id="{3D337251-BDAC-4C2A-A50F-1C9D70009F78}" type="slidenum">
+            <a:fld id="{94ECE652-62F8-42F9-9509-0B2E84FA009D}" type="slidenum">
               <a:rPr lang="it-IT" smtClean="0"/>
               <a:t>‹N›</a:t>
             </a:fld>
@@ -1878,7 +1873,7 @@
     </p:spTree>
     <p:extLst>
       <p:ext uri="{BB962C8B-B14F-4D97-AF65-F5344CB8AC3E}">
-        <p14:creationId xmlns:p14="http://schemas.microsoft.com/office/powerpoint/2010/main" val="601891962"/>
+        <p14:creationId xmlns:p14="http://schemas.microsoft.com/office/powerpoint/2010/main" val="658239682"/>
       </p:ext>
     </p:extLst>
   </p:cSld>
@@ -1910,7 +1905,7 @@
           <p:cNvPr id="2" name="Titolo 1">
             <a:extLst>
               <a:ext uri="{FF2B5EF4-FFF2-40B4-BE49-F238E27FC236}">
-                <a16:creationId xmlns:a16="http://schemas.microsoft.com/office/drawing/2014/main" id="{73753E9C-B130-5C01-8B3D-CB0571CC5616}"/>
+                <a16:creationId xmlns:a16="http://schemas.microsoft.com/office/drawing/2014/main" id="{B7A1BDD3-BCA2-3AFD-412F-B39610792B6B}"/>
               </a:ext>
             </a:extLst>
           </p:cNvPr>
@@ -1938,7 +1933,7 @@
           <p:cNvPr id="3" name="Segnaposto data 2">
             <a:extLst>
               <a:ext uri="{FF2B5EF4-FFF2-40B4-BE49-F238E27FC236}">
-                <a16:creationId xmlns:a16="http://schemas.microsoft.com/office/drawing/2014/main" id="{30B59CFB-D26A-F6AD-6F2E-491D1512E431}"/>
+                <a16:creationId xmlns:a16="http://schemas.microsoft.com/office/drawing/2014/main" id="{87C9E4EC-E8D5-F9E4-DF14-9A1828CEC912}"/>
               </a:ext>
             </a:extLst>
           </p:cNvPr>
@@ -1954,9 +1949,9 @@
           <a:bodyPr/>
           <a:lstStyle/>
           <a:p>
-            <a:fld id="{CED95E0A-A51C-457C-8A9F-5CFC582E428A}" type="datetimeFigureOut">
+            <a:fld id="{9E48F2BF-59AF-471F-B96B-50E3666E5284}" type="datetimeFigureOut">
               <a:rPr lang="it-IT" smtClean="0"/>
-              <a:t>07/02/2023</a:t>
+              <a:t>08/02/2023</a:t>
             </a:fld>
             <a:endParaRPr lang="it-IT"/>
           </a:p>
@@ -1967,7 +1962,7 @@
           <p:cNvPr id="4" name="Segnaposto piè di pagina 3">
             <a:extLst>
               <a:ext uri="{FF2B5EF4-FFF2-40B4-BE49-F238E27FC236}">
-                <a16:creationId xmlns:a16="http://schemas.microsoft.com/office/drawing/2014/main" id="{6FE443EE-EEC6-8933-6B96-4A4395D3A0E9}"/>
+                <a16:creationId xmlns:a16="http://schemas.microsoft.com/office/drawing/2014/main" id="{609597FE-0EC0-A8D5-CEE8-988735C157AE}"/>
               </a:ext>
             </a:extLst>
           </p:cNvPr>
@@ -1992,7 +1987,7 @@
           <p:cNvPr id="5" name="Segnaposto numero diapositiva 4">
             <a:extLst>
               <a:ext uri="{FF2B5EF4-FFF2-40B4-BE49-F238E27FC236}">
-                <a16:creationId xmlns:a16="http://schemas.microsoft.com/office/drawing/2014/main" id="{5F928940-F882-FCE8-A322-3466D7174494}"/>
+                <a16:creationId xmlns:a16="http://schemas.microsoft.com/office/drawing/2014/main" id="{9CB52B06-6E19-7BF8-E2E4-5A5B81E75B3C}"/>
               </a:ext>
             </a:extLst>
           </p:cNvPr>
@@ -2008,7 +2003,7 @@
           <a:bodyPr/>
           <a:lstStyle/>
           <a:p>
-            <a:fld id="{3D337251-BDAC-4C2A-A50F-1C9D70009F78}" type="slidenum">
+            <a:fld id="{94ECE652-62F8-42F9-9509-0B2E84FA009D}" type="slidenum">
               <a:rPr lang="it-IT" smtClean="0"/>
               <a:t>‹N›</a:t>
             </a:fld>
@@ -2019,7 +2014,7 @@
     </p:spTree>
     <p:extLst>
       <p:ext uri="{BB962C8B-B14F-4D97-AF65-F5344CB8AC3E}">
-        <p14:creationId xmlns:p14="http://schemas.microsoft.com/office/powerpoint/2010/main" val="1026651659"/>
+        <p14:creationId xmlns:p14="http://schemas.microsoft.com/office/powerpoint/2010/main" val="1464913249"/>
       </p:ext>
     </p:extLst>
   </p:cSld>
@@ -2051,7 +2046,7 @@
           <p:cNvPr id="2" name="Segnaposto data 1">
             <a:extLst>
               <a:ext uri="{FF2B5EF4-FFF2-40B4-BE49-F238E27FC236}">
-                <a16:creationId xmlns:a16="http://schemas.microsoft.com/office/drawing/2014/main" id="{D043A6FF-C24A-B885-F632-4CF6F383EA42}"/>
+                <a16:creationId xmlns:a16="http://schemas.microsoft.com/office/drawing/2014/main" id="{D7DE89F4-0828-229B-95AD-A937A1BEF049}"/>
               </a:ext>
             </a:extLst>
           </p:cNvPr>
@@ -2067,9 +2062,9 @@
           <a:bodyPr/>
           <a:lstStyle/>
           <a:p>
-            <a:fld id="{CED95E0A-A51C-457C-8A9F-5CFC582E428A}" type="datetimeFigureOut">
+            <a:fld id="{9E48F2BF-59AF-471F-B96B-50E3666E5284}" type="datetimeFigureOut">
               <a:rPr lang="it-IT" smtClean="0"/>
-              <a:t>07/02/2023</a:t>
+              <a:t>08/02/2023</a:t>
             </a:fld>
             <a:endParaRPr lang="it-IT"/>
           </a:p>
@@ -2080,7 +2075,7 @@
           <p:cNvPr id="3" name="Segnaposto piè di pagina 2">
             <a:extLst>
               <a:ext uri="{FF2B5EF4-FFF2-40B4-BE49-F238E27FC236}">
-                <a16:creationId xmlns:a16="http://schemas.microsoft.com/office/drawing/2014/main" id="{A5A17BB2-5D77-83C3-3346-18B4A813FF7B}"/>
+                <a16:creationId xmlns:a16="http://schemas.microsoft.com/office/drawing/2014/main" id="{D5630299-DFC2-9C10-4587-5A62CEB1D758}"/>
               </a:ext>
             </a:extLst>
           </p:cNvPr>
@@ -2105,7 +2100,7 @@
           <p:cNvPr id="4" name="Segnaposto numero diapositiva 3">
             <a:extLst>
               <a:ext uri="{FF2B5EF4-FFF2-40B4-BE49-F238E27FC236}">
-                <a16:creationId xmlns:a16="http://schemas.microsoft.com/office/drawing/2014/main" id="{27CD0EC1-9CF6-02A0-6B4D-40844B51E985}"/>
+                <a16:creationId xmlns:a16="http://schemas.microsoft.com/office/drawing/2014/main" id="{70FD3469-DE35-47DB-4C31-7A37C9877B8A}"/>
               </a:ext>
             </a:extLst>
           </p:cNvPr>
@@ -2121,7 +2116,7 @@
           <a:bodyPr/>
           <a:lstStyle/>
           <a:p>
-            <a:fld id="{3D337251-BDAC-4C2A-A50F-1C9D70009F78}" type="slidenum">
+            <a:fld id="{94ECE652-62F8-42F9-9509-0B2E84FA009D}" type="slidenum">
               <a:rPr lang="it-IT" smtClean="0"/>
               <a:t>‹N›</a:t>
             </a:fld>
@@ -2132,7 +2127,7 @@
     </p:spTree>
     <p:extLst>
       <p:ext uri="{BB962C8B-B14F-4D97-AF65-F5344CB8AC3E}">
-        <p14:creationId xmlns:p14="http://schemas.microsoft.com/office/powerpoint/2010/main" val="1916254652"/>
+        <p14:creationId xmlns:p14="http://schemas.microsoft.com/office/powerpoint/2010/main" val="2642775170"/>
       </p:ext>
     </p:extLst>
   </p:cSld>
@@ -2164,7 +2159,7 @@
           <p:cNvPr id="2" name="Titolo 1">
             <a:extLst>
               <a:ext uri="{FF2B5EF4-FFF2-40B4-BE49-F238E27FC236}">
-                <a16:creationId xmlns:a16="http://schemas.microsoft.com/office/drawing/2014/main" id="{DD271EAE-CBD5-27BE-8C59-8267160F8636}"/>
+                <a16:creationId xmlns:a16="http://schemas.microsoft.com/office/drawing/2014/main" id="{15540DE4-910D-E98A-952F-EFF7B269233B}"/>
               </a:ext>
             </a:extLst>
           </p:cNvPr>
@@ -2201,7 +2196,7 @@
           <p:cNvPr id="3" name="Segnaposto contenuto 2">
             <a:extLst>
               <a:ext uri="{FF2B5EF4-FFF2-40B4-BE49-F238E27FC236}">
-                <a16:creationId xmlns:a16="http://schemas.microsoft.com/office/drawing/2014/main" id="{0A157726-210F-5190-1D21-E03A99239729}"/>
+                <a16:creationId xmlns:a16="http://schemas.microsoft.com/office/drawing/2014/main" id="{9D49BAB8-3FD2-F84D-2F54-EE967A9F5BEF}"/>
               </a:ext>
             </a:extLst>
           </p:cNvPr>
@@ -2291,7 +2286,7 @@
           <p:cNvPr id="4" name="Segnaposto testo 3">
             <a:extLst>
               <a:ext uri="{FF2B5EF4-FFF2-40B4-BE49-F238E27FC236}">
-                <a16:creationId xmlns:a16="http://schemas.microsoft.com/office/drawing/2014/main" id="{1CB77B68-3EB1-9A75-4594-D58380FB0351}"/>
+                <a16:creationId xmlns:a16="http://schemas.microsoft.com/office/drawing/2014/main" id="{75B3B964-51A8-A9FC-A6AF-BD2B2F895B7B}"/>
               </a:ext>
             </a:extLst>
           </p:cNvPr>
@@ -2362,7 +2357,7 @@
           <p:cNvPr id="5" name="Segnaposto data 4">
             <a:extLst>
               <a:ext uri="{FF2B5EF4-FFF2-40B4-BE49-F238E27FC236}">
-                <a16:creationId xmlns:a16="http://schemas.microsoft.com/office/drawing/2014/main" id="{B1FE1259-2EB2-2270-2110-AE7112AFF81E}"/>
+                <a16:creationId xmlns:a16="http://schemas.microsoft.com/office/drawing/2014/main" id="{53CACEF5-6DE8-B19C-933B-1D8C42D0B8F9}"/>
               </a:ext>
             </a:extLst>
           </p:cNvPr>
@@ -2378,9 +2373,9 @@
           <a:bodyPr/>
           <a:lstStyle/>
           <a:p>
-            <a:fld id="{CED95E0A-A51C-457C-8A9F-5CFC582E428A}" type="datetimeFigureOut">
+            <a:fld id="{9E48F2BF-59AF-471F-B96B-50E3666E5284}" type="datetimeFigureOut">
               <a:rPr lang="it-IT" smtClean="0"/>
-              <a:t>07/02/2023</a:t>
+              <a:t>08/02/2023</a:t>
             </a:fld>
             <a:endParaRPr lang="it-IT"/>
           </a:p>
@@ -2391,7 +2386,7 @@
           <p:cNvPr id="6" name="Segnaposto piè di pagina 5">
             <a:extLst>
               <a:ext uri="{FF2B5EF4-FFF2-40B4-BE49-F238E27FC236}">
-                <a16:creationId xmlns:a16="http://schemas.microsoft.com/office/drawing/2014/main" id="{ED70F50B-34A3-8E5C-99A9-44488C572D8C}"/>
+                <a16:creationId xmlns:a16="http://schemas.microsoft.com/office/drawing/2014/main" id="{C30451E1-1C55-50C2-6195-DA945F7F53D3}"/>
               </a:ext>
             </a:extLst>
           </p:cNvPr>
@@ -2416,7 +2411,7 @@
           <p:cNvPr id="7" name="Segnaposto numero diapositiva 6">
             <a:extLst>
               <a:ext uri="{FF2B5EF4-FFF2-40B4-BE49-F238E27FC236}">
-                <a16:creationId xmlns:a16="http://schemas.microsoft.com/office/drawing/2014/main" id="{61B0E566-4AC2-987B-9608-7BECC7F95E7C}"/>
+                <a16:creationId xmlns:a16="http://schemas.microsoft.com/office/drawing/2014/main" id="{670D5F6C-B8D0-9820-57A3-0CCE5D2B58EA}"/>
               </a:ext>
             </a:extLst>
           </p:cNvPr>
@@ -2432,7 +2427,7 @@
           <a:bodyPr/>
           <a:lstStyle/>
           <a:p>
-            <a:fld id="{3D337251-BDAC-4C2A-A50F-1C9D70009F78}" type="slidenum">
+            <a:fld id="{94ECE652-62F8-42F9-9509-0B2E84FA009D}" type="slidenum">
               <a:rPr lang="it-IT" smtClean="0"/>
               <a:t>‹N›</a:t>
             </a:fld>
@@ -2443,7 +2438,7 @@
     </p:spTree>
     <p:extLst>
       <p:ext uri="{BB962C8B-B14F-4D97-AF65-F5344CB8AC3E}">
-        <p14:creationId xmlns:p14="http://schemas.microsoft.com/office/powerpoint/2010/main" val="1194764218"/>
+        <p14:creationId xmlns:p14="http://schemas.microsoft.com/office/powerpoint/2010/main" val="389088411"/>
       </p:ext>
     </p:extLst>
   </p:cSld>
@@ -2475,7 +2470,7 @@
           <p:cNvPr id="2" name="Titolo 1">
             <a:extLst>
               <a:ext uri="{FF2B5EF4-FFF2-40B4-BE49-F238E27FC236}">
-                <a16:creationId xmlns:a16="http://schemas.microsoft.com/office/drawing/2014/main" id="{138D7A81-909D-A23C-5863-026372B89475}"/>
+                <a16:creationId xmlns:a16="http://schemas.microsoft.com/office/drawing/2014/main" id="{A9F62062-D76C-55FC-4CA6-EB14D0AF0DBB}"/>
               </a:ext>
             </a:extLst>
           </p:cNvPr>
@@ -2512,7 +2507,7 @@
           <p:cNvPr id="3" name="Segnaposto immagine 2">
             <a:extLst>
               <a:ext uri="{FF2B5EF4-FFF2-40B4-BE49-F238E27FC236}">
-                <a16:creationId xmlns:a16="http://schemas.microsoft.com/office/drawing/2014/main" id="{1EFA6F13-B9C7-E38C-F3B7-1A8672C9E9C8}"/>
+                <a16:creationId xmlns:a16="http://schemas.microsoft.com/office/drawing/2014/main" id="{545558BB-F98E-7CDF-9CA0-9EDED46C2616}"/>
               </a:ext>
             </a:extLst>
           </p:cNvPr>
@@ -2579,7 +2574,7 @@
           <p:cNvPr id="4" name="Segnaposto testo 3">
             <a:extLst>
               <a:ext uri="{FF2B5EF4-FFF2-40B4-BE49-F238E27FC236}">
-                <a16:creationId xmlns:a16="http://schemas.microsoft.com/office/drawing/2014/main" id="{000063DF-0090-3C05-5B6F-B1EAA899A791}"/>
+                <a16:creationId xmlns:a16="http://schemas.microsoft.com/office/drawing/2014/main" id="{2637462B-0326-D970-5CB6-87FD1D9979A7}"/>
               </a:ext>
             </a:extLst>
           </p:cNvPr>
@@ -2650,7 +2645,7 @@
           <p:cNvPr id="5" name="Segnaposto data 4">
             <a:extLst>
               <a:ext uri="{FF2B5EF4-FFF2-40B4-BE49-F238E27FC236}">
-                <a16:creationId xmlns:a16="http://schemas.microsoft.com/office/drawing/2014/main" id="{D4E2FC07-9370-D2E1-6AB8-84C9837CD036}"/>
+                <a16:creationId xmlns:a16="http://schemas.microsoft.com/office/drawing/2014/main" id="{75A9A8F3-59B4-CAB8-9B29-03A32827485F}"/>
               </a:ext>
             </a:extLst>
           </p:cNvPr>
@@ -2666,9 +2661,9 @@
           <a:bodyPr/>
           <a:lstStyle/>
           <a:p>
-            <a:fld id="{CED95E0A-A51C-457C-8A9F-5CFC582E428A}" type="datetimeFigureOut">
+            <a:fld id="{9E48F2BF-59AF-471F-B96B-50E3666E5284}" type="datetimeFigureOut">
               <a:rPr lang="it-IT" smtClean="0"/>
-              <a:t>07/02/2023</a:t>
+              <a:t>08/02/2023</a:t>
             </a:fld>
             <a:endParaRPr lang="it-IT"/>
           </a:p>
@@ -2679,7 +2674,7 @@
           <p:cNvPr id="6" name="Segnaposto piè di pagina 5">
             <a:extLst>
               <a:ext uri="{FF2B5EF4-FFF2-40B4-BE49-F238E27FC236}">
-                <a16:creationId xmlns:a16="http://schemas.microsoft.com/office/drawing/2014/main" id="{AB1E90E2-352C-093E-49A0-7A11433119F0}"/>
+                <a16:creationId xmlns:a16="http://schemas.microsoft.com/office/drawing/2014/main" id="{FB3700A9-6B6D-0788-F3CE-5CFAEBDE474B}"/>
               </a:ext>
             </a:extLst>
           </p:cNvPr>
@@ -2704,7 +2699,7 @@
           <p:cNvPr id="7" name="Segnaposto numero diapositiva 6">
             <a:extLst>
               <a:ext uri="{FF2B5EF4-FFF2-40B4-BE49-F238E27FC236}">
-                <a16:creationId xmlns:a16="http://schemas.microsoft.com/office/drawing/2014/main" id="{EEBF1468-F77D-6960-9F53-E0D50C88B980}"/>
+                <a16:creationId xmlns:a16="http://schemas.microsoft.com/office/drawing/2014/main" id="{AB89B022-26BA-D482-3C21-233AA24534BA}"/>
               </a:ext>
             </a:extLst>
           </p:cNvPr>
@@ -2720,7 +2715,7 @@
           <a:bodyPr/>
           <a:lstStyle/>
           <a:p>
-            <a:fld id="{3D337251-BDAC-4C2A-A50F-1C9D70009F78}" type="slidenum">
+            <a:fld id="{94ECE652-62F8-42F9-9509-0B2E84FA009D}" type="slidenum">
               <a:rPr lang="it-IT" smtClean="0"/>
               <a:t>‹N›</a:t>
             </a:fld>
@@ -2731,7 +2726,7 @@
     </p:spTree>
     <p:extLst>
       <p:ext uri="{BB962C8B-B14F-4D97-AF65-F5344CB8AC3E}">
-        <p14:creationId xmlns:p14="http://schemas.microsoft.com/office/powerpoint/2010/main" val="3641995426"/>
+        <p14:creationId xmlns:p14="http://schemas.microsoft.com/office/powerpoint/2010/main" val="2953610045"/>
       </p:ext>
     </p:extLst>
   </p:cSld>
@@ -2768,7 +2763,7 @@
           <p:cNvPr id="2" name="Segnaposto titolo 1">
             <a:extLst>
               <a:ext uri="{FF2B5EF4-FFF2-40B4-BE49-F238E27FC236}">
-                <a16:creationId xmlns:a16="http://schemas.microsoft.com/office/drawing/2014/main" id="{6E2207ED-C671-869E-42CC-85853750CF96}"/>
+                <a16:creationId xmlns:a16="http://schemas.microsoft.com/office/drawing/2014/main" id="{19C0EEC2-1402-9F9F-2E68-2D0A7E06F3D1}"/>
               </a:ext>
             </a:extLst>
           </p:cNvPr>
@@ -2806,7 +2801,7 @@
           <p:cNvPr id="3" name="Segnaposto testo 2">
             <a:extLst>
               <a:ext uri="{FF2B5EF4-FFF2-40B4-BE49-F238E27FC236}">
-                <a16:creationId xmlns:a16="http://schemas.microsoft.com/office/drawing/2014/main" id="{3AC7801C-27B3-8763-48C6-3B19BEE12F4A}"/>
+                <a16:creationId xmlns:a16="http://schemas.microsoft.com/office/drawing/2014/main" id="{A07C3673-78B5-1D49-DD34-42BBA685C718}"/>
               </a:ext>
             </a:extLst>
           </p:cNvPr>
@@ -2873,7 +2868,7 @@
           <p:cNvPr id="4" name="Segnaposto data 3">
             <a:extLst>
               <a:ext uri="{FF2B5EF4-FFF2-40B4-BE49-F238E27FC236}">
-                <a16:creationId xmlns:a16="http://schemas.microsoft.com/office/drawing/2014/main" id="{002FF2E7-AD40-DA08-C430-87685D75D45C}"/>
+                <a16:creationId xmlns:a16="http://schemas.microsoft.com/office/drawing/2014/main" id="{03054AF1-0948-0B9B-2CF4-A131B92E0AEC}"/>
               </a:ext>
             </a:extLst>
           </p:cNvPr>
@@ -2907,9 +2902,9 @@
             </a:lvl1pPr>
           </a:lstStyle>
           <a:p>
-            <a:fld id="{CED95E0A-A51C-457C-8A9F-5CFC582E428A}" type="datetimeFigureOut">
+            <a:fld id="{9E48F2BF-59AF-471F-B96B-50E3666E5284}" type="datetimeFigureOut">
               <a:rPr lang="it-IT" smtClean="0"/>
-              <a:t>07/02/2023</a:t>
+              <a:t>08/02/2023</a:t>
             </a:fld>
             <a:endParaRPr lang="it-IT"/>
           </a:p>
@@ -2920,7 +2915,7 @@
           <p:cNvPr id="5" name="Segnaposto piè di pagina 4">
             <a:extLst>
               <a:ext uri="{FF2B5EF4-FFF2-40B4-BE49-F238E27FC236}">
-                <a16:creationId xmlns:a16="http://schemas.microsoft.com/office/drawing/2014/main" id="{44C2AB01-5BCB-3460-BB3B-7F0407A43096}"/>
+                <a16:creationId xmlns:a16="http://schemas.microsoft.com/office/drawing/2014/main" id="{61DE7018-2D2E-E031-37B2-F57447F6C3F6}"/>
               </a:ext>
             </a:extLst>
           </p:cNvPr>
@@ -2963,7 +2958,7 @@
           <p:cNvPr id="6" name="Segnaposto numero diapositiva 5">
             <a:extLst>
               <a:ext uri="{FF2B5EF4-FFF2-40B4-BE49-F238E27FC236}">
-                <a16:creationId xmlns:a16="http://schemas.microsoft.com/office/drawing/2014/main" id="{F1AF443E-C785-D483-642D-97A6EEEF5AB9}"/>
+                <a16:creationId xmlns:a16="http://schemas.microsoft.com/office/drawing/2014/main" id="{E4A6EC1B-E97A-2E52-94DB-576E1DE4459E}"/>
               </a:ext>
             </a:extLst>
           </p:cNvPr>
@@ -2997,7 +2992,7 @@
             </a:lvl1pPr>
           </a:lstStyle>
           <a:p>
-            <a:fld id="{3D337251-BDAC-4C2A-A50F-1C9D70009F78}" type="slidenum">
+            <a:fld id="{94ECE652-62F8-42F9-9509-0B2E84FA009D}" type="slidenum">
               <a:rPr lang="it-IT" smtClean="0"/>
               <a:t>‹N›</a:t>
             </a:fld>
@@ -3008,7 +3003,7 @@
     </p:spTree>
     <p:extLst>
       <p:ext uri="{BB962C8B-B14F-4D97-AF65-F5344CB8AC3E}">
-        <p14:creationId xmlns:p14="http://schemas.microsoft.com/office/powerpoint/2010/main" val="3071519198"/>
+        <p14:creationId xmlns:p14="http://schemas.microsoft.com/office/powerpoint/2010/main" val="386637764"/>
       </p:ext>
     </p:extLst>
   </p:cSld>
@@ -3312,6 +3307,14 @@
 <file path=ppt/slides/slide1.xml><?xml version="1.0" encoding="utf-8"?>
 <p:sld xmlns:a="http://schemas.openxmlformats.org/drawingml/2006/main" xmlns:r="http://schemas.openxmlformats.org/officeDocument/2006/relationships" xmlns:p="http://schemas.openxmlformats.org/presentationml/2006/main">
   <p:cSld>
+    <p:bg>
+      <p:bgPr>
+        <a:solidFill>
+          <a:schemeClr val="bg1"/>
+        </a:solidFill>
+        <a:effectLst/>
+      </p:bgPr>
+    </p:bg>
     <p:spTree>
       <p:nvGrpSpPr>
         <p:cNvPr id="1" name=""/>
@@ -3328,10 +3331,10 @@
       </p:grpSpPr>
       <p:pic>
         <p:nvPicPr>
-          <p:cNvPr id="19" name="Immagine 18">
-            <a:extLst>
-              <a:ext uri="{FF2B5EF4-FFF2-40B4-BE49-F238E27FC236}">
-                <a16:creationId xmlns:a16="http://schemas.microsoft.com/office/drawing/2014/main" id="{5E1B629B-4A3A-F5C8-A34A-5B53D89051B2}"/>
+          <p:cNvPr id="12" name="Immagine 11">
+            <a:extLst>
+              <a:ext uri="{FF2B5EF4-FFF2-40B4-BE49-F238E27FC236}">
+                <a16:creationId xmlns:a16="http://schemas.microsoft.com/office/drawing/2014/main" id="{29E72853-9597-E775-EFCC-01C72F17FDCC}"/>
               </a:ext>
             </a:extLst>
           </p:cNvPr>
@@ -3342,13 +3345,13 @@
         </p:nvPicPr>
         <p:blipFill rotWithShape="1">
           <a:blip r:embed="rId2"/>
-          <a:srcRect l="25235" t="20555" r="35906" b="6250"/>
+          <a:srcRect l="24140" t="26667" r="35859" b="6528"/>
           <a:stretch/>
         </p:blipFill>
         <p:spPr>
           <a:xfrm>
-            <a:off x="2291234" y="643467"/>
-            <a:ext cx="2414116" cy="2543217"/>
+            <a:off x="6369655" y="731434"/>
+            <a:ext cx="5645695" cy="5303691"/>
           </a:xfrm>
           <a:prstGeom prst="rect">
             <a:avLst/>
@@ -3357,10 +3360,10 @@
       </p:pic>
       <p:pic>
         <p:nvPicPr>
-          <p:cNvPr id="8" name="Immagine 7">
-            <a:extLst>
-              <a:ext uri="{FF2B5EF4-FFF2-40B4-BE49-F238E27FC236}">
-                <a16:creationId xmlns:a16="http://schemas.microsoft.com/office/drawing/2014/main" id="{0556C00D-8CB5-D848-4FBB-FB0085B7F7B5}"/>
+          <p:cNvPr id="9" name="Immagine 8">
+            <a:extLst>
+              <a:ext uri="{FF2B5EF4-FFF2-40B4-BE49-F238E27FC236}">
+                <a16:creationId xmlns:a16="http://schemas.microsoft.com/office/drawing/2014/main" id="{FDA33D13-FC72-28A3-57F8-14D399C44ACF}"/>
               </a:ext>
             </a:extLst>
           </p:cNvPr>
@@ -3371,120 +3374,58 @@
         </p:nvPicPr>
         <p:blipFill rotWithShape="1">
           <a:blip r:embed="rId3"/>
-          <a:srcRect l="25238" t="24845" r="40358" b="6901"/>
+          <a:srcRect l="24844" t="23890" r="35703" b="6944"/>
           <a:stretch/>
         </p:blipFill>
         <p:spPr>
           <a:xfrm>
-            <a:off x="2291234" y="3593530"/>
-            <a:ext cx="2414116" cy="2543217"/>
+            <a:off x="1409700" y="3631096"/>
+            <a:ext cx="3160573" cy="3116744"/>
           </a:xfrm>
           <a:prstGeom prst="rect">
             <a:avLst/>
           </a:prstGeom>
         </p:spPr>
       </p:pic>
-      <p:pic>
-        <p:nvPicPr>
-          <p:cNvPr id="7" name="Immagine 6" descr="Immagine che contiene mappa&#10;&#10;Descrizione generata automaticamente">
-            <a:extLst>
-              <a:ext uri="{FF2B5EF4-FFF2-40B4-BE49-F238E27FC236}">
-                <a16:creationId xmlns:a16="http://schemas.microsoft.com/office/drawing/2014/main" id="{50483DCE-8DA2-ABE1-9127-28E7937B8E37}"/>
-              </a:ext>
-            </a:extLst>
-          </p:cNvPr>
-          <p:cNvPicPr>
-            <a:picLocks noChangeAspect="1"/>
-          </p:cNvPicPr>
-          <p:nvPr/>
-        </p:nvPicPr>
-        <p:blipFill>
-          <a:blip r:embed="rId4">
-            <a:extLst>
-              <a:ext uri="{28A0092B-C50C-407E-A947-70E740481C1C}">
-                <a14:useLocalDpi xmlns:a14="http://schemas.microsoft.com/office/drawing/2010/main" val="0"/>
-              </a:ext>
-            </a:extLst>
-          </a:blip>
-          <a:stretch>
-            <a:fillRect/>
-          </a:stretch>
-        </p:blipFill>
+      <p:sp>
+        <p:nvSpPr>
+          <p:cNvPr id="17" name="Rectangle 16">
+            <a:extLst>
+              <a:ext uri="{FF2B5EF4-FFF2-40B4-BE49-F238E27FC236}">
+                <a16:creationId xmlns:a16="http://schemas.microsoft.com/office/drawing/2014/main" id="{799448F2-0E5B-42DA-B2D1-11A14E947BD4}"/>
+              </a:ext>
+              <a:ext uri="{C183D7F6-B498-43B3-948B-1728B52AA6E4}">
+                <adec:decorative xmlns:adec="http://schemas.microsoft.com/office/drawing/2017/decorative" val="1"/>
+              </a:ext>
+            </a:extLst>
+          </p:cNvPr>
+          <p:cNvSpPr>
+            <a:spLocks noGrp="1" noRot="1" noChangeAspect="1" noMove="1" noResize="1" noEditPoints="1" noAdjustHandles="1" noChangeArrowheads="1" noChangeShapeType="1" noTextEdit="1"/>
+          </p:cNvSpPr>
+          <p:nvPr>
+            <p:extLst>
+              <p:ext uri="{386F3935-93C4-4BCD-93E2-E3B085C9AB24}">
+                <p16:designElem xmlns:p16="http://schemas.microsoft.com/office/powerpoint/2015/main" val="1"/>
+              </p:ext>
+            </p:extLst>
+          </p:nvPr>
+        </p:nvSpPr>
         <p:spPr>
           <a:xfrm>
-            <a:off x="6806452" y="3593530"/>
-            <a:ext cx="3814025" cy="2545862"/>
+            <a:off x="6050280" y="0"/>
+            <a:ext cx="91440" cy="6858000"/>
           </a:xfrm>
           <a:prstGeom prst="rect">
             <a:avLst/>
           </a:prstGeom>
-        </p:spPr>
-      </p:pic>
-      <p:pic>
-        <p:nvPicPr>
-          <p:cNvPr id="16" name="Immagine 15" descr="Immagine che contiene oggetto da esterni, ragnatela&#10;&#10;Descrizione generata automaticamente">
-            <a:extLst>
-              <a:ext uri="{FF2B5EF4-FFF2-40B4-BE49-F238E27FC236}">
-                <a16:creationId xmlns:a16="http://schemas.microsoft.com/office/drawing/2014/main" id="{352F2CBA-C153-F825-8341-115B0C3E8DC1}"/>
-              </a:ext>
-            </a:extLst>
-          </p:cNvPr>
-          <p:cNvPicPr>
-            <a:picLocks noChangeAspect="1"/>
-          </p:cNvPicPr>
-          <p:nvPr/>
-        </p:nvPicPr>
-        <p:blipFill>
-          <a:blip r:embed="rId5">
-            <a:extLst>
-              <a:ext uri="{28A0092B-C50C-407E-A947-70E740481C1C}">
-                <a14:useLocalDpi xmlns:a14="http://schemas.microsoft.com/office/drawing/2010/main" val="0"/>
-              </a:ext>
-            </a:extLst>
-          </a:blip>
-          <a:stretch>
-            <a:fillRect/>
-          </a:stretch>
-        </p:blipFill>
-        <p:spPr>
-          <a:xfrm>
-            <a:off x="6795056" y="718608"/>
-            <a:ext cx="3825421" cy="2553469"/>
-          </a:xfrm>
-          <a:prstGeom prst="rect">
-            <a:avLst/>
-          </a:prstGeom>
-        </p:spPr>
-      </p:pic>
-      <p:sp>
-        <p:nvSpPr>
-          <p:cNvPr id="20" name="Freccia a destra 19">
-            <a:extLst>
-              <a:ext uri="{FF2B5EF4-FFF2-40B4-BE49-F238E27FC236}">
-                <a16:creationId xmlns:a16="http://schemas.microsoft.com/office/drawing/2014/main" id="{5E831AC9-F86A-1BF5-EDF2-620B32D54267}"/>
-              </a:ext>
-            </a:extLst>
-          </p:cNvPr>
-          <p:cNvSpPr/>
-          <p:nvPr/>
-        </p:nvSpPr>
-        <p:spPr>
-          <a:xfrm>
-            <a:off x="4848225" y="1981200"/>
-            <a:ext cx="1762109" cy="247647"/>
-          </a:xfrm>
-          <a:prstGeom prst="rightArrow">
-            <a:avLst/>
-          </a:prstGeom>
           <a:solidFill>
-            <a:schemeClr val="bg1">
-              <a:lumMod val="85000"/>
+            <a:schemeClr val="tx1">
+              <a:lumMod val="75000"/>
+              <a:lumOff val="25000"/>
             </a:schemeClr>
           </a:solidFill>
           <a:ln>
-            <a:solidFill>
-              <a:schemeClr val="tx1"/>
-            </a:solidFill>
+            <a:noFill/>
           </a:ln>
         </p:spPr>
         <p:style>
@@ -3508,37 +3449,49 @@
           <a:lstStyle/>
           <a:p>
             <a:pPr algn="ctr"/>
-            <a:endParaRPr lang="it-IT"/>
-          </a:p>
-        </p:txBody>
-      </p:sp>
-      <p:sp>
-        <p:nvSpPr>
-          <p:cNvPr id="21" name="Freccia a destra 20">
-            <a:extLst>
-              <a:ext uri="{FF2B5EF4-FFF2-40B4-BE49-F238E27FC236}">
-                <a16:creationId xmlns:a16="http://schemas.microsoft.com/office/drawing/2014/main" id="{5EBC0098-C3F0-9CDC-1194-8377C27AB2A0}"/>
-              </a:ext>
-            </a:extLst>
-          </p:cNvPr>
-          <p:cNvSpPr/>
-          <p:nvPr/>
+            <a:endParaRPr lang="en-US"/>
+          </a:p>
+        </p:txBody>
+      </p:sp>
+      <p:sp>
+        <p:nvSpPr>
+          <p:cNvPr id="19" name="Rectangle 18">
+            <a:extLst>
+              <a:ext uri="{FF2B5EF4-FFF2-40B4-BE49-F238E27FC236}">
+                <a16:creationId xmlns:a16="http://schemas.microsoft.com/office/drawing/2014/main" id="{4E8A7552-20E1-4F34-ADAB-C1DB6634D47E}"/>
+              </a:ext>
+              <a:ext uri="{C183D7F6-B498-43B3-948B-1728B52AA6E4}">
+                <adec:decorative xmlns:adec="http://schemas.microsoft.com/office/drawing/2017/decorative" val="1"/>
+              </a:ext>
+            </a:extLst>
+          </p:cNvPr>
+          <p:cNvSpPr>
+            <a:spLocks noGrp="1" noRot="1" noChangeAspect="1" noMove="1" noResize="1" noEditPoints="1" noAdjustHandles="1" noChangeArrowheads="1" noChangeShapeType="1" noTextEdit="1"/>
+          </p:cNvSpPr>
+          <p:nvPr>
+            <p:extLst>
+              <p:ext uri="{386F3935-93C4-4BCD-93E2-E3B085C9AB24}">
+                <p16:designElem xmlns:p16="http://schemas.microsoft.com/office/powerpoint/2015/main" val="1"/>
+              </p:ext>
+            </p:extLst>
+          </p:nvPr>
         </p:nvSpPr>
         <p:spPr>
-          <a:xfrm rot="10800000">
-            <a:off x="4848225" y="4629150"/>
-            <a:ext cx="1833546" cy="247648"/>
+          <a:xfrm>
+            <a:off x="0" y="3383280"/>
+            <a:ext cx="6126480" cy="91440"/>
           </a:xfrm>
-          <a:prstGeom prst="rightArrow">
+          <a:prstGeom prst="rect">
             <a:avLst/>
           </a:prstGeom>
           <a:solidFill>
-            <a:schemeClr val="bg2"/>
+            <a:schemeClr val="tx1">
+              <a:lumMod val="75000"/>
+              <a:lumOff val="25000"/>
+            </a:schemeClr>
           </a:solidFill>
           <a:ln>
-            <a:solidFill>
-              <a:schemeClr val="tx1"/>
-            </a:solidFill>
+            <a:noFill/>
           </a:ln>
         </p:spPr>
         <p:style>
@@ -3562,70 +3515,104 @@
           <a:lstStyle/>
           <a:p>
             <a:pPr algn="ctr"/>
-            <a:endParaRPr lang="it-IT"/>
-          </a:p>
-        </p:txBody>
-      </p:sp>
-      <p:cxnSp>
-        <p:nvCxnSpPr>
-          <p:cNvPr id="27" name="Connettore a gomito 26">
-            <a:extLst>
-              <a:ext uri="{FF2B5EF4-FFF2-40B4-BE49-F238E27FC236}">
-                <a16:creationId xmlns:a16="http://schemas.microsoft.com/office/drawing/2014/main" id="{C05179E0-16F5-E11A-40FA-A881875230E3}"/>
-              </a:ext>
-            </a:extLst>
-          </p:cNvPr>
-          <p:cNvCxnSpPr>
-            <a:stCxn id="16" idx="3"/>
-            <a:endCxn id="7" idx="3"/>
-          </p:cNvCxnSpPr>
+            <a:endParaRPr lang="en-US"/>
+          </a:p>
+        </p:txBody>
+      </p:sp>
+      <p:pic>
+        <p:nvPicPr>
+          <p:cNvPr id="8" name="Immagine 7">
+            <a:extLst>
+              <a:ext uri="{FF2B5EF4-FFF2-40B4-BE49-F238E27FC236}">
+                <a16:creationId xmlns:a16="http://schemas.microsoft.com/office/drawing/2014/main" id="{04260C57-2415-F502-ACC5-E02A84EE1EB9}"/>
+              </a:ext>
+            </a:extLst>
+          </p:cNvPr>
+          <p:cNvPicPr>
+            <a:picLocks noChangeAspect="1"/>
+          </p:cNvPicPr>
           <p:nvPr/>
-        </p:nvCxnSpPr>
+        </p:nvPicPr>
+        <p:blipFill rotWithShape="1">
+          <a:blip r:embed="rId4"/>
+          <a:srcRect l="25313" t="30833" r="35937" b="7083"/>
+          <a:stretch/>
+        </p:blipFill>
         <p:spPr>
           <a:xfrm>
-            <a:off x="10620477" y="1995343"/>
-            <a:ext cx="12700" cy="2871118"/>
+            <a:off x="1409700" y="229205"/>
+            <a:ext cx="3161311" cy="2849034"/>
           </a:xfrm>
-          <a:prstGeom prst="bentConnector3">
-            <a:avLst>
-              <a:gd name="adj1" fmla="val 5854362"/>
-            </a:avLst>
+          <a:prstGeom prst="rect">
+            <a:avLst/>
           </a:prstGeom>
-          <a:ln w="101600">
-            <a:solidFill>
-              <a:schemeClr val="bg2"/>
-            </a:solidFill>
-            <a:tailEnd type="triangle"/>
-          </a:ln>
-          <a:effectLst>
-            <a:outerShdw blurRad="50800" dist="38100" dir="2700000" algn="tl" rotWithShape="0">
-              <a:prstClr val="black">
-                <a:alpha val="40000"/>
-              </a:prstClr>
-            </a:outerShdw>
-          </a:effectLst>
+        </p:spPr>
+      </p:pic>
+      <p:sp>
+        <p:nvSpPr>
+          <p:cNvPr id="14" name="Rettangolo con angoli arrotondati 13">
+            <a:extLst>
+              <a:ext uri="{FF2B5EF4-FFF2-40B4-BE49-F238E27FC236}">
+                <a16:creationId xmlns:a16="http://schemas.microsoft.com/office/drawing/2014/main" id="{0B87BC26-14A7-8E61-AD6A-CE5287731587}"/>
+              </a:ext>
+            </a:extLst>
+          </p:cNvPr>
+          <p:cNvSpPr/>
+          <p:nvPr/>
+        </p:nvSpPr>
+        <p:spPr>
+          <a:xfrm>
+            <a:off x="177553" y="229205"/>
+            <a:ext cx="310719" cy="285700"/>
+          </a:xfrm>
+          <a:prstGeom prst="roundRect">
+            <a:avLst/>
+          </a:prstGeom>
+          <a:solidFill>
+            <a:schemeClr val="accent4">
+              <a:lumMod val="60000"/>
+              <a:lumOff val="40000"/>
+            </a:schemeClr>
+          </a:solidFill>
         </p:spPr>
         <p:style>
-          <a:lnRef idx="1">
-            <a:schemeClr val="accent1"/>
+          <a:lnRef idx="2">
+            <a:schemeClr val="accent1">
+              <a:shade val="50000"/>
+            </a:schemeClr>
           </a:lnRef>
-          <a:fillRef idx="0">
+          <a:fillRef idx="1">
             <a:schemeClr val="accent1"/>
           </a:fillRef>
           <a:effectRef idx="0">
             <a:schemeClr val="accent1"/>
           </a:effectRef>
           <a:fontRef idx="minor">
-            <a:schemeClr val="tx1"/>
+            <a:schemeClr val="lt1"/>
           </a:fontRef>
         </p:style>
-      </p:cxnSp>
-      <p:sp>
-        <p:nvSpPr>
-          <p:cNvPr id="2" name="Rettangolo con angoli arrotondati 1">
-            <a:extLst>
-              <a:ext uri="{FF2B5EF4-FFF2-40B4-BE49-F238E27FC236}">
-                <a16:creationId xmlns:a16="http://schemas.microsoft.com/office/drawing/2014/main" id="{9427E548-B14C-8BE6-BAC4-3FFB644F51FF}"/>
+        <p:txBody>
+          <a:bodyPr rtlCol="0" anchor="ctr"/>
+          <a:lstStyle/>
+          <a:p>
+            <a:pPr algn="ctr"/>
+            <a:r>
+              <a:rPr lang="it-IT" dirty="0">
+                <a:solidFill>
+                  <a:schemeClr val="tx1"/>
+                </a:solidFill>
+              </a:rPr>
+              <a:t>a</a:t>
+            </a:r>
+          </a:p>
+        </p:txBody>
+      </p:sp>
+      <p:sp>
+        <p:nvSpPr>
+          <p:cNvPr id="15" name="Rettangolo con angoli arrotondati 14">
+            <a:extLst>
+              <a:ext uri="{FF2B5EF4-FFF2-40B4-BE49-F238E27FC236}">
+                <a16:creationId xmlns:a16="http://schemas.microsoft.com/office/drawing/2014/main" id="{7AD063AD-8600-4B20-D17B-6D95B6BBE330}"/>
               </a:ext>
             </a:extLst>
           </p:cNvPr>
@@ -3634,144 +3621,57 @@
         </p:nvSpPr>
         <p:spPr>
           <a:xfrm>
-            <a:off x="2291234" y="643467"/>
-            <a:ext cx="274529" cy="326749"/>
+            <a:off x="6369655" y="85316"/>
+            <a:ext cx="310719" cy="285700"/>
           </a:xfrm>
           <a:prstGeom prst="roundRect">
             <a:avLst/>
           </a:prstGeom>
-          <a:ln>
-            <a:solidFill>
-              <a:schemeClr val="tx1"/>
-            </a:solidFill>
-          </a:ln>
+          <a:solidFill>
+            <a:schemeClr val="accent4">
+              <a:lumMod val="60000"/>
+              <a:lumOff val="40000"/>
+            </a:schemeClr>
+          </a:solidFill>
         </p:spPr>
         <p:style>
-          <a:lnRef idx="1">
-            <a:schemeClr val="accent4"/>
+          <a:lnRef idx="2">
+            <a:schemeClr val="accent1">
+              <a:shade val="50000"/>
+            </a:schemeClr>
           </a:lnRef>
-          <a:fillRef idx="2">
-            <a:schemeClr val="accent4"/>
+          <a:fillRef idx="1">
+            <a:schemeClr val="accent1"/>
           </a:fillRef>
-          <a:effectRef idx="1">
-            <a:schemeClr val="accent4"/>
+          <a:effectRef idx="0">
+            <a:schemeClr val="accent1"/>
           </a:effectRef>
           <a:fontRef idx="minor">
-            <a:schemeClr val="dk1"/>
+            <a:schemeClr val="lt1"/>
           </a:fontRef>
         </p:style>
         <p:txBody>
           <a:bodyPr rtlCol="0" anchor="ctr"/>
-          <a:lstStyle>
-            <a:defPPr>
-              <a:defRPr lang="it-IT"/>
-            </a:defPPr>
-            <a:lvl1pPr marL="0" algn="l" defTabSz="914400" rtl="0" eaLnBrk="1" latinLnBrk="0" hangingPunct="1">
-              <a:defRPr sz="1800" kern="1200">
+          <a:lstStyle/>
+          <a:p>
+            <a:pPr algn="ctr"/>
+            <a:r>
+              <a:rPr lang="it-IT" dirty="0">
                 <a:solidFill>
-                  <a:schemeClr val="dk1"/>
+                  <a:schemeClr val="tx1"/>
                 </a:solidFill>
-                <a:latin typeface="+mn-lt"/>
-                <a:ea typeface="+mn-ea"/>
-                <a:cs typeface="+mn-cs"/>
-              </a:defRPr>
-            </a:lvl1pPr>
-            <a:lvl2pPr marL="457200" algn="l" defTabSz="914400" rtl="0" eaLnBrk="1" latinLnBrk="0" hangingPunct="1">
-              <a:defRPr sz="1800" kern="1200">
-                <a:solidFill>
-                  <a:schemeClr val="dk1"/>
-                </a:solidFill>
-                <a:latin typeface="+mn-lt"/>
-                <a:ea typeface="+mn-ea"/>
-                <a:cs typeface="+mn-cs"/>
-              </a:defRPr>
-            </a:lvl2pPr>
-            <a:lvl3pPr marL="914400" algn="l" defTabSz="914400" rtl="0" eaLnBrk="1" latinLnBrk="0" hangingPunct="1">
-              <a:defRPr sz="1800" kern="1200">
-                <a:solidFill>
-                  <a:schemeClr val="dk1"/>
-                </a:solidFill>
-                <a:latin typeface="+mn-lt"/>
-                <a:ea typeface="+mn-ea"/>
-                <a:cs typeface="+mn-cs"/>
-              </a:defRPr>
-            </a:lvl3pPr>
-            <a:lvl4pPr marL="1371600" algn="l" defTabSz="914400" rtl="0" eaLnBrk="1" latinLnBrk="0" hangingPunct="1">
-              <a:defRPr sz="1800" kern="1200">
-                <a:solidFill>
-                  <a:schemeClr val="dk1"/>
-                </a:solidFill>
-                <a:latin typeface="+mn-lt"/>
-                <a:ea typeface="+mn-ea"/>
-                <a:cs typeface="+mn-cs"/>
-              </a:defRPr>
-            </a:lvl4pPr>
-            <a:lvl5pPr marL="1828800" algn="l" defTabSz="914400" rtl="0" eaLnBrk="1" latinLnBrk="0" hangingPunct="1">
-              <a:defRPr sz="1800" kern="1200">
-                <a:solidFill>
-                  <a:schemeClr val="dk1"/>
-                </a:solidFill>
-                <a:latin typeface="+mn-lt"/>
-                <a:ea typeface="+mn-ea"/>
-                <a:cs typeface="+mn-cs"/>
-              </a:defRPr>
-            </a:lvl5pPr>
-            <a:lvl6pPr marL="2286000" algn="l" defTabSz="914400" rtl="0" eaLnBrk="1" latinLnBrk="0" hangingPunct="1">
-              <a:defRPr sz="1800" kern="1200">
-                <a:solidFill>
-                  <a:schemeClr val="dk1"/>
-                </a:solidFill>
-                <a:latin typeface="+mn-lt"/>
-                <a:ea typeface="+mn-ea"/>
-                <a:cs typeface="+mn-cs"/>
-              </a:defRPr>
-            </a:lvl6pPr>
-            <a:lvl7pPr marL="2743200" algn="l" defTabSz="914400" rtl="0" eaLnBrk="1" latinLnBrk="0" hangingPunct="1">
-              <a:defRPr sz="1800" kern="1200">
-                <a:solidFill>
-                  <a:schemeClr val="dk1"/>
-                </a:solidFill>
-                <a:latin typeface="+mn-lt"/>
-                <a:ea typeface="+mn-ea"/>
-                <a:cs typeface="+mn-cs"/>
-              </a:defRPr>
-            </a:lvl7pPr>
-            <a:lvl8pPr marL="3200400" algn="l" defTabSz="914400" rtl="0" eaLnBrk="1" latinLnBrk="0" hangingPunct="1">
-              <a:defRPr sz="1800" kern="1200">
-                <a:solidFill>
-                  <a:schemeClr val="dk1"/>
-                </a:solidFill>
-                <a:latin typeface="+mn-lt"/>
-                <a:ea typeface="+mn-ea"/>
-                <a:cs typeface="+mn-cs"/>
-              </a:defRPr>
-            </a:lvl8pPr>
-            <a:lvl9pPr marL="3657600" algn="l" defTabSz="914400" rtl="0" eaLnBrk="1" latinLnBrk="0" hangingPunct="1">
-              <a:defRPr sz="1800" kern="1200">
-                <a:solidFill>
-                  <a:schemeClr val="dk1"/>
-                </a:solidFill>
-                <a:latin typeface="+mn-lt"/>
-                <a:ea typeface="+mn-ea"/>
-                <a:cs typeface="+mn-cs"/>
-              </a:defRPr>
-            </a:lvl9pPr>
-          </a:lstStyle>
-          <a:p>
-            <a:pPr algn="ctr"/>
-            <a:r>
-              <a:rPr lang="it-IT" dirty="0"/>
-              <a:t>a</a:t>
-            </a:r>
-          </a:p>
-        </p:txBody>
-      </p:sp>
-      <p:sp>
-        <p:nvSpPr>
-          <p:cNvPr id="3" name="Rettangolo con angoli arrotondati 2">
-            <a:extLst>
-              <a:ext uri="{FF2B5EF4-FFF2-40B4-BE49-F238E27FC236}">
-                <a16:creationId xmlns:a16="http://schemas.microsoft.com/office/drawing/2014/main" id="{9427E548-B14C-8BE6-BAC4-3FFB644F51FF}"/>
+              </a:rPr>
+              <a:t>b</a:t>
+            </a:r>
+          </a:p>
+        </p:txBody>
+      </p:sp>
+      <p:sp>
+        <p:nvSpPr>
+          <p:cNvPr id="16" name="Rettangolo con angoli arrotondati 15">
+            <a:extLst>
+              <a:ext uri="{FF2B5EF4-FFF2-40B4-BE49-F238E27FC236}">
+                <a16:creationId xmlns:a16="http://schemas.microsoft.com/office/drawing/2014/main" id="{FFA267C9-35AB-44AC-9381-82BB914A2B8B}"/>
               </a:ext>
             </a:extLst>
           </p:cNvPr>
@@ -3780,426 +3680,47 @@
         </p:nvSpPr>
         <p:spPr>
           <a:xfrm>
-            <a:off x="10352298" y="718608"/>
-            <a:ext cx="274529" cy="326749"/>
+            <a:off x="176650" y="3631096"/>
+            <a:ext cx="310719" cy="285700"/>
           </a:xfrm>
           <a:prstGeom prst="roundRect">
             <a:avLst/>
           </a:prstGeom>
-          <a:ln>
-            <a:solidFill>
-              <a:schemeClr val="tx1"/>
-            </a:solidFill>
-          </a:ln>
+          <a:solidFill>
+            <a:schemeClr val="accent4">
+              <a:lumMod val="60000"/>
+              <a:lumOff val="40000"/>
+            </a:schemeClr>
+          </a:solidFill>
         </p:spPr>
         <p:style>
-          <a:lnRef idx="1">
-            <a:schemeClr val="accent4"/>
+          <a:lnRef idx="2">
+            <a:schemeClr val="accent1">
+              <a:shade val="50000"/>
+            </a:schemeClr>
           </a:lnRef>
-          <a:fillRef idx="2">
-            <a:schemeClr val="accent4"/>
+          <a:fillRef idx="1">
+            <a:schemeClr val="accent1"/>
           </a:fillRef>
-          <a:effectRef idx="1">
-            <a:schemeClr val="accent4"/>
+          <a:effectRef idx="0">
+            <a:schemeClr val="accent1"/>
           </a:effectRef>
           <a:fontRef idx="minor">
-            <a:schemeClr val="dk1"/>
+            <a:schemeClr val="lt1"/>
           </a:fontRef>
         </p:style>
         <p:txBody>
           <a:bodyPr rtlCol="0" anchor="ctr"/>
-          <a:lstStyle>
-            <a:defPPr>
-              <a:defRPr lang="it-IT"/>
-            </a:defPPr>
-            <a:lvl1pPr marL="0" algn="l" defTabSz="914400" rtl="0" eaLnBrk="1" latinLnBrk="0" hangingPunct="1">
-              <a:defRPr sz="1800" kern="1200">
+          <a:lstStyle/>
+          <a:p>
+            <a:pPr algn="ctr"/>
+            <a:r>
+              <a:rPr lang="it-IT" dirty="0">
                 <a:solidFill>
-                  <a:schemeClr val="dk1"/>
+                  <a:schemeClr val="tx1"/>
                 </a:solidFill>
-                <a:latin typeface="+mn-lt"/>
-                <a:ea typeface="+mn-ea"/>
-                <a:cs typeface="+mn-cs"/>
-              </a:defRPr>
-            </a:lvl1pPr>
-            <a:lvl2pPr marL="457200" algn="l" defTabSz="914400" rtl="0" eaLnBrk="1" latinLnBrk="0" hangingPunct="1">
-              <a:defRPr sz="1800" kern="1200">
-                <a:solidFill>
-                  <a:schemeClr val="dk1"/>
-                </a:solidFill>
-                <a:latin typeface="+mn-lt"/>
-                <a:ea typeface="+mn-ea"/>
-                <a:cs typeface="+mn-cs"/>
-              </a:defRPr>
-            </a:lvl2pPr>
-            <a:lvl3pPr marL="914400" algn="l" defTabSz="914400" rtl="0" eaLnBrk="1" latinLnBrk="0" hangingPunct="1">
-              <a:defRPr sz="1800" kern="1200">
-                <a:solidFill>
-                  <a:schemeClr val="dk1"/>
-                </a:solidFill>
-                <a:latin typeface="+mn-lt"/>
-                <a:ea typeface="+mn-ea"/>
-                <a:cs typeface="+mn-cs"/>
-              </a:defRPr>
-            </a:lvl3pPr>
-            <a:lvl4pPr marL="1371600" algn="l" defTabSz="914400" rtl="0" eaLnBrk="1" latinLnBrk="0" hangingPunct="1">
-              <a:defRPr sz="1800" kern="1200">
-                <a:solidFill>
-                  <a:schemeClr val="dk1"/>
-                </a:solidFill>
-                <a:latin typeface="+mn-lt"/>
-                <a:ea typeface="+mn-ea"/>
-                <a:cs typeface="+mn-cs"/>
-              </a:defRPr>
-            </a:lvl4pPr>
-            <a:lvl5pPr marL="1828800" algn="l" defTabSz="914400" rtl="0" eaLnBrk="1" latinLnBrk="0" hangingPunct="1">
-              <a:defRPr sz="1800" kern="1200">
-                <a:solidFill>
-                  <a:schemeClr val="dk1"/>
-                </a:solidFill>
-                <a:latin typeface="+mn-lt"/>
-                <a:ea typeface="+mn-ea"/>
-                <a:cs typeface="+mn-cs"/>
-              </a:defRPr>
-            </a:lvl5pPr>
-            <a:lvl6pPr marL="2286000" algn="l" defTabSz="914400" rtl="0" eaLnBrk="1" latinLnBrk="0" hangingPunct="1">
-              <a:defRPr sz="1800" kern="1200">
-                <a:solidFill>
-                  <a:schemeClr val="dk1"/>
-                </a:solidFill>
-                <a:latin typeface="+mn-lt"/>
-                <a:ea typeface="+mn-ea"/>
-                <a:cs typeface="+mn-cs"/>
-              </a:defRPr>
-            </a:lvl6pPr>
-            <a:lvl7pPr marL="2743200" algn="l" defTabSz="914400" rtl="0" eaLnBrk="1" latinLnBrk="0" hangingPunct="1">
-              <a:defRPr sz="1800" kern="1200">
-                <a:solidFill>
-                  <a:schemeClr val="dk1"/>
-                </a:solidFill>
-                <a:latin typeface="+mn-lt"/>
-                <a:ea typeface="+mn-ea"/>
-                <a:cs typeface="+mn-cs"/>
-              </a:defRPr>
-            </a:lvl7pPr>
-            <a:lvl8pPr marL="3200400" algn="l" defTabSz="914400" rtl="0" eaLnBrk="1" latinLnBrk="0" hangingPunct="1">
-              <a:defRPr sz="1800" kern="1200">
-                <a:solidFill>
-                  <a:schemeClr val="dk1"/>
-                </a:solidFill>
-                <a:latin typeface="+mn-lt"/>
-                <a:ea typeface="+mn-ea"/>
-                <a:cs typeface="+mn-cs"/>
-              </a:defRPr>
-            </a:lvl8pPr>
-            <a:lvl9pPr marL="3657600" algn="l" defTabSz="914400" rtl="0" eaLnBrk="1" latinLnBrk="0" hangingPunct="1">
-              <a:defRPr sz="1800" kern="1200">
-                <a:solidFill>
-                  <a:schemeClr val="dk1"/>
-                </a:solidFill>
-                <a:latin typeface="+mn-lt"/>
-                <a:ea typeface="+mn-ea"/>
-                <a:cs typeface="+mn-cs"/>
-              </a:defRPr>
-            </a:lvl9pPr>
-          </a:lstStyle>
-          <a:p>
-            <a:pPr algn="ctr"/>
-            <a:r>
-              <a:rPr lang="it-IT" dirty="0"/>
-              <a:t>b</a:t>
-            </a:r>
-          </a:p>
-        </p:txBody>
-      </p:sp>
-      <p:sp>
-        <p:nvSpPr>
-          <p:cNvPr id="4" name="Rettangolo con angoli arrotondati 3">
-            <a:extLst>
-              <a:ext uri="{FF2B5EF4-FFF2-40B4-BE49-F238E27FC236}">
-                <a16:creationId xmlns:a16="http://schemas.microsoft.com/office/drawing/2014/main" id="{9427E548-B14C-8BE6-BAC4-3FFB644F51FF}"/>
-              </a:ext>
-            </a:extLst>
-          </p:cNvPr>
-          <p:cNvSpPr/>
-          <p:nvPr/>
-        </p:nvSpPr>
-        <p:spPr>
-          <a:xfrm>
-            <a:off x="10015830" y="3627682"/>
-            <a:ext cx="274529" cy="326749"/>
-          </a:xfrm>
-          <a:prstGeom prst="roundRect">
-            <a:avLst/>
-          </a:prstGeom>
-          <a:ln>
-            <a:solidFill>
-              <a:schemeClr val="tx1"/>
-            </a:solidFill>
-          </a:ln>
-        </p:spPr>
-        <p:style>
-          <a:lnRef idx="1">
-            <a:schemeClr val="accent4"/>
-          </a:lnRef>
-          <a:fillRef idx="2">
-            <a:schemeClr val="accent4"/>
-          </a:fillRef>
-          <a:effectRef idx="1">
-            <a:schemeClr val="accent4"/>
-          </a:effectRef>
-          <a:fontRef idx="minor">
-            <a:schemeClr val="dk1"/>
-          </a:fontRef>
-        </p:style>
-        <p:txBody>
-          <a:bodyPr rtlCol="0" anchor="ctr"/>
-          <a:lstStyle>
-            <a:defPPr>
-              <a:defRPr lang="it-IT"/>
-            </a:defPPr>
-            <a:lvl1pPr marL="0" algn="l" defTabSz="914400" rtl="0" eaLnBrk="1" latinLnBrk="0" hangingPunct="1">
-              <a:defRPr sz="1800" kern="1200">
-                <a:solidFill>
-                  <a:schemeClr val="dk1"/>
-                </a:solidFill>
-                <a:latin typeface="+mn-lt"/>
-                <a:ea typeface="+mn-ea"/>
-                <a:cs typeface="+mn-cs"/>
-              </a:defRPr>
-            </a:lvl1pPr>
-            <a:lvl2pPr marL="457200" algn="l" defTabSz="914400" rtl="0" eaLnBrk="1" latinLnBrk="0" hangingPunct="1">
-              <a:defRPr sz="1800" kern="1200">
-                <a:solidFill>
-                  <a:schemeClr val="dk1"/>
-                </a:solidFill>
-                <a:latin typeface="+mn-lt"/>
-                <a:ea typeface="+mn-ea"/>
-                <a:cs typeface="+mn-cs"/>
-              </a:defRPr>
-            </a:lvl2pPr>
-            <a:lvl3pPr marL="914400" algn="l" defTabSz="914400" rtl="0" eaLnBrk="1" latinLnBrk="0" hangingPunct="1">
-              <a:defRPr sz="1800" kern="1200">
-                <a:solidFill>
-                  <a:schemeClr val="dk1"/>
-                </a:solidFill>
-                <a:latin typeface="+mn-lt"/>
-                <a:ea typeface="+mn-ea"/>
-                <a:cs typeface="+mn-cs"/>
-              </a:defRPr>
-            </a:lvl3pPr>
-            <a:lvl4pPr marL="1371600" algn="l" defTabSz="914400" rtl="0" eaLnBrk="1" latinLnBrk="0" hangingPunct="1">
-              <a:defRPr sz="1800" kern="1200">
-                <a:solidFill>
-                  <a:schemeClr val="dk1"/>
-                </a:solidFill>
-                <a:latin typeface="+mn-lt"/>
-                <a:ea typeface="+mn-ea"/>
-                <a:cs typeface="+mn-cs"/>
-              </a:defRPr>
-            </a:lvl4pPr>
-            <a:lvl5pPr marL="1828800" algn="l" defTabSz="914400" rtl="0" eaLnBrk="1" latinLnBrk="0" hangingPunct="1">
-              <a:defRPr sz="1800" kern="1200">
-                <a:solidFill>
-                  <a:schemeClr val="dk1"/>
-                </a:solidFill>
-                <a:latin typeface="+mn-lt"/>
-                <a:ea typeface="+mn-ea"/>
-                <a:cs typeface="+mn-cs"/>
-              </a:defRPr>
-            </a:lvl5pPr>
-            <a:lvl6pPr marL="2286000" algn="l" defTabSz="914400" rtl="0" eaLnBrk="1" latinLnBrk="0" hangingPunct="1">
-              <a:defRPr sz="1800" kern="1200">
-                <a:solidFill>
-                  <a:schemeClr val="dk1"/>
-                </a:solidFill>
-                <a:latin typeface="+mn-lt"/>
-                <a:ea typeface="+mn-ea"/>
-                <a:cs typeface="+mn-cs"/>
-              </a:defRPr>
-            </a:lvl6pPr>
-            <a:lvl7pPr marL="2743200" algn="l" defTabSz="914400" rtl="0" eaLnBrk="1" latinLnBrk="0" hangingPunct="1">
-              <a:defRPr sz="1800" kern="1200">
-                <a:solidFill>
-                  <a:schemeClr val="dk1"/>
-                </a:solidFill>
-                <a:latin typeface="+mn-lt"/>
-                <a:ea typeface="+mn-ea"/>
-                <a:cs typeface="+mn-cs"/>
-              </a:defRPr>
-            </a:lvl7pPr>
-            <a:lvl8pPr marL="3200400" algn="l" defTabSz="914400" rtl="0" eaLnBrk="1" latinLnBrk="0" hangingPunct="1">
-              <a:defRPr sz="1800" kern="1200">
-                <a:solidFill>
-                  <a:schemeClr val="dk1"/>
-                </a:solidFill>
-                <a:latin typeface="+mn-lt"/>
-                <a:ea typeface="+mn-ea"/>
-                <a:cs typeface="+mn-cs"/>
-              </a:defRPr>
-            </a:lvl8pPr>
-            <a:lvl9pPr marL="3657600" algn="l" defTabSz="914400" rtl="0" eaLnBrk="1" latinLnBrk="0" hangingPunct="1">
-              <a:defRPr sz="1800" kern="1200">
-                <a:solidFill>
-                  <a:schemeClr val="dk1"/>
-                </a:solidFill>
-                <a:latin typeface="+mn-lt"/>
-                <a:ea typeface="+mn-ea"/>
-                <a:cs typeface="+mn-cs"/>
-              </a:defRPr>
-            </a:lvl9pPr>
-          </a:lstStyle>
-          <a:p>
-            <a:pPr algn="ctr"/>
-            <a:r>
-              <a:rPr lang="it-IT" dirty="0"/>
+              </a:rPr>
               <a:t>c</a:t>
-            </a:r>
-          </a:p>
-        </p:txBody>
-      </p:sp>
-      <p:sp>
-        <p:nvSpPr>
-          <p:cNvPr id="5" name="Rettangolo con angoli arrotondati 4">
-            <a:extLst>
-              <a:ext uri="{FF2B5EF4-FFF2-40B4-BE49-F238E27FC236}">
-                <a16:creationId xmlns:a16="http://schemas.microsoft.com/office/drawing/2014/main" id="{9427E548-B14C-8BE6-BAC4-3FFB644F51FF}"/>
-              </a:ext>
-            </a:extLst>
-          </p:cNvPr>
-          <p:cNvSpPr/>
-          <p:nvPr/>
-        </p:nvSpPr>
-        <p:spPr>
-          <a:xfrm>
-            <a:off x="2296406" y="3593530"/>
-            <a:ext cx="274529" cy="326749"/>
-          </a:xfrm>
-          <a:prstGeom prst="roundRect">
-            <a:avLst/>
-          </a:prstGeom>
-          <a:ln>
-            <a:solidFill>
-              <a:schemeClr val="tx1"/>
-            </a:solidFill>
-          </a:ln>
-        </p:spPr>
-        <p:style>
-          <a:lnRef idx="1">
-            <a:schemeClr val="accent4"/>
-          </a:lnRef>
-          <a:fillRef idx="2">
-            <a:schemeClr val="accent4"/>
-          </a:fillRef>
-          <a:effectRef idx="1">
-            <a:schemeClr val="accent4"/>
-          </a:effectRef>
-          <a:fontRef idx="minor">
-            <a:schemeClr val="dk1"/>
-          </a:fontRef>
-        </p:style>
-        <p:txBody>
-          <a:bodyPr rtlCol="0" anchor="ctr"/>
-          <a:lstStyle>
-            <a:defPPr>
-              <a:defRPr lang="it-IT"/>
-            </a:defPPr>
-            <a:lvl1pPr marL="0" algn="l" defTabSz="914400" rtl="0" eaLnBrk="1" latinLnBrk="0" hangingPunct="1">
-              <a:defRPr sz="1800" kern="1200">
-                <a:solidFill>
-                  <a:schemeClr val="dk1"/>
-                </a:solidFill>
-                <a:latin typeface="+mn-lt"/>
-                <a:ea typeface="+mn-ea"/>
-                <a:cs typeface="+mn-cs"/>
-              </a:defRPr>
-            </a:lvl1pPr>
-            <a:lvl2pPr marL="457200" algn="l" defTabSz="914400" rtl="0" eaLnBrk="1" latinLnBrk="0" hangingPunct="1">
-              <a:defRPr sz="1800" kern="1200">
-                <a:solidFill>
-                  <a:schemeClr val="dk1"/>
-                </a:solidFill>
-                <a:latin typeface="+mn-lt"/>
-                <a:ea typeface="+mn-ea"/>
-                <a:cs typeface="+mn-cs"/>
-              </a:defRPr>
-            </a:lvl2pPr>
-            <a:lvl3pPr marL="914400" algn="l" defTabSz="914400" rtl="0" eaLnBrk="1" latinLnBrk="0" hangingPunct="1">
-              <a:defRPr sz="1800" kern="1200">
-                <a:solidFill>
-                  <a:schemeClr val="dk1"/>
-                </a:solidFill>
-                <a:latin typeface="+mn-lt"/>
-                <a:ea typeface="+mn-ea"/>
-                <a:cs typeface="+mn-cs"/>
-              </a:defRPr>
-            </a:lvl3pPr>
-            <a:lvl4pPr marL="1371600" algn="l" defTabSz="914400" rtl="0" eaLnBrk="1" latinLnBrk="0" hangingPunct="1">
-              <a:defRPr sz="1800" kern="1200">
-                <a:solidFill>
-                  <a:schemeClr val="dk1"/>
-                </a:solidFill>
-                <a:latin typeface="+mn-lt"/>
-                <a:ea typeface="+mn-ea"/>
-                <a:cs typeface="+mn-cs"/>
-              </a:defRPr>
-            </a:lvl4pPr>
-            <a:lvl5pPr marL="1828800" algn="l" defTabSz="914400" rtl="0" eaLnBrk="1" latinLnBrk="0" hangingPunct="1">
-              <a:defRPr sz="1800" kern="1200">
-                <a:solidFill>
-                  <a:schemeClr val="dk1"/>
-                </a:solidFill>
-                <a:latin typeface="+mn-lt"/>
-                <a:ea typeface="+mn-ea"/>
-                <a:cs typeface="+mn-cs"/>
-              </a:defRPr>
-            </a:lvl5pPr>
-            <a:lvl6pPr marL="2286000" algn="l" defTabSz="914400" rtl="0" eaLnBrk="1" latinLnBrk="0" hangingPunct="1">
-              <a:defRPr sz="1800" kern="1200">
-                <a:solidFill>
-                  <a:schemeClr val="dk1"/>
-                </a:solidFill>
-                <a:latin typeface="+mn-lt"/>
-                <a:ea typeface="+mn-ea"/>
-                <a:cs typeface="+mn-cs"/>
-              </a:defRPr>
-            </a:lvl6pPr>
-            <a:lvl7pPr marL="2743200" algn="l" defTabSz="914400" rtl="0" eaLnBrk="1" latinLnBrk="0" hangingPunct="1">
-              <a:defRPr sz="1800" kern="1200">
-                <a:solidFill>
-                  <a:schemeClr val="dk1"/>
-                </a:solidFill>
-                <a:latin typeface="+mn-lt"/>
-                <a:ea typeface="+mn-ea"/>
-                <a:cs typeface="+mn-cs"/>
-              </a:defRPr>
-            </a:lvl7pPr>
-            <a:lvl8pPr marL="3200400" algn="l" defTabSz="914400" rtl="0" eaLnBrk="1" latinLnBrk="0" hangingPunct="1">
-              <a:defRPr sz="1800" kern="1200">
-                <a:solidFill>
-                  <a:schemeClr val="dk1"/>
-                </a:solidFill>
-                <a:latin typeface="+mn-lt"/>
-                <a:ea typeface="+mn-ea"/>
-                <a:cs typeface="+mn-cs"/>
-              </a:defRPr>
-            </a:lvl8pPr>
-            <a:lvl9pPr marL="3657600" algn="l" defTabSz="914400" rtl="0" eaLnBrk="1" latinLnBrk="0" hangingPunct="1">
-              <a:defRPr sz="1800" kern="1200">
-                <a:solidFill>
-                  <a:schemeClr val="dk1"/>
-                </a:solidFill>
-                <a:latin typeface="+mn-lt"/>
-                <a:ea typeface="+mn-ea"/>
-                <a:cs typeface="+mn-cs"/>
-              </a:defRPr>
-            </a:lvl9pPr>
-          </a:lstStyle>
-          <a:p>
-            <a:pPr algn="ctr"/>
-            <a:r>
-              <a:rPr lang="it-IT" dirty="0"/>
-              <a:t>d</a:t>
             </a:r>
           </a:p>
         </p:txBody>
@@ -4207,7 +3728,7 @@
     </p:spTree>
     <p:extLst>
       <p:ext uri="{BB962C8B-B14F-4D97-AF65-F5344CB8AC3E}">
-        <p14:creationId xmlns:p14="http://schemas.microsoft.com/office/powerpoint/2010/main" val="298149366"/>
+        <p14:creationId xmlns:p14="http://schemas.microsoft.com/office/powerpoint/2010/main" val="3359133845"/>
       </p:ext>
     </p:extLst>
   </p:cSld>

--- a/Slides/Fig7.pptx
+++ b/Slides/Fig7.pptx
@@ -104,6 +104,11 @@
       </a:defRPr>
     </a:lvl9pPr>
   </p:defaultTextStyle>
+  <p:extLst>
+    <p:ext uri="{EFAFB233-063F-42B5-8137-9DF3F51BA10A}">
+      <p15:sldGuideLst xmlns:p15="http://schemas.microsoft.com/office/powerpoint/2012/main"/>
+    </p:ext>
+  </p:extLst>
 </p:presentation>
 </file>
 
@@ -129,7 +134,7 @@
           <p:cNvPr id="2" name="Titolo 1">
             <a:extLst>
               <a:ext uri="{FF2B5EF4-FFF2-40B4-BE49-F238E27FC236}">
-                <a16:creationId xmlns:a16="http://schemas.microsoft.com/office/drawing/2014/main" id="{F6DAFCEE-DBF8-C3B4-DD53-BCB54BDF62E1}"/>
+                <a16:creationId xmlns:a16="http://schemas.microsoft.com/office/drawing/2014/main" id="{1C9FC4D7-B3AC-B4C0-0F52-BDAEEAF72685}"/>
               </a:ext>
             </a:extLst>
           </p:cNvPr>
@@ -166,7 +171,7 @@
           <p:cNvPr id="3" name="Sottotitolo 2">
             <a:extLst>
               <a:ext uri="{FF2B5EF4-FFF2-40B4-BE49-F238E27FC236}">
-                <a16:creationId xmlns:a16="http://schemas.microsoft.com/office/drawing/2014/main" id="{7318DB5E-0DD0-7837-3A96-84DF9EF3CD90}"/>
+                <a16:creationId xmlns:a16="http://schemas.microsoft.com/office/drawing/2014/main" id="{5268DB03-7502-7840-CE84-84309BAEBA78}"/>
               </a:ext>
             </a:extLst>
           </p:cNvPr>
@@ -236,7 +241,7 @@
           <p:cNvPr id="4" name="Segnaposto data 3">
             <a:extLst>
               <a:ext uri="{FF2B5EF4-FFF2-40B4-BE49-F238E27FC236}">
-                <a16:creationId xmlns:a16="http://schemas.microsoft.com/office/drawing/2014/main" id="{514B82DE-3476-868F-3331-04442CC25BEA}"/>
+                <a16:creationId xmlns:a16="http://schemas.microsoft.com/office/drawing/2014/main" id="{635AE48A-D806-DA38-7AAB-9B9C9F544273}"/>
               </a:ext>
             </a:extLst>
           </p:cNvPr>
@@ -252,9 +257,9 @@
           <a:bodyPr/>
           <a:lstStyle/>
           <a:p>
-            <a:fld id="{9E48F2BF-59AF-471F-B96B-50E3666E5284}" type="datetimeFigureOut">
+            <a:fld id="{CED95E0A-A51C-457C-8A9F-5CFC582E428A}" type="datetimeFigureOut">
               <a:rPr lang="it-IT" smtClean="0"/>
-              <a:t>08/02/2023</a:t>
+              <a:t>27/05/2023</a:t>
             </a:fld>
             <a:endParaRPr lang="it-IT"/>
           </a:p>
@@ -265,7 +270,7 @@
           <p:cNvPr id="5" name="Segnaposto piè di pagina 4">
             <a:extLst>
               <a:ext uri="{FF2B5EF4-FFF2-40B4-BE49-F238E27FC236}">
-                <a16:creationId xmlns:a16="http://schemas.microsoft.com/office/drawing/2014/main" id="{8DC35B8D-C88C-2617-7D3C-8A6B84706496}"/>
+                <a16:creationId xmlns:a16="http://schemas.microsoft.com/office/drawing/2014/main" id="{C8E424F6-1092-5721-0A94-DD3EF22C17CF}"/>
               </a:ext>
             </a:extLst>
           </p:cNvPr>
@@ -290,7 +295,7 @@
           <p:cNvPr id="6" name="Segnaposto numero diapositiva 5">
             <a:extLst>
               <a:ext uri="{FF2B5EF4-FFF2-40B4-BE49-F238E27FC236}">
-                <a16:creationId xmlns:a16="http://schemas.microsoft.com/office/drawing/2014/main" id="{9470C2BF-7834-9D4B-3C72-A6C590971906}"/>
+                <a16:creationId xmlns:a16="http://schemas.microsoft.com/office/drawing/2014/main" id="{77B322E7-AD8C-5780-F152-2303D72E15BB}"/>
               </a:ext>
             </a:extLst>
           </p:cNvPr>
@@ -306,7 +311,7 @@
           <a:bodyPr/>
           <a:lstStyle/>
           <a:p>
-            <a:fld id="{94ECE652-62F8-42F9-9509-0B2E84FA009D}" type="slidenum">
+            <a:fld id="{3D337251-BDAC-4C2A-A50F-1C9D70009F78}" type="slidenum">
               <a:rPr lang="it-IT" smtClean="0"/>
               <a:t>‹N›</a:t>
             </a:fld>
@@ -317,7 +322,7 @@
     </p:spTree>
     <p:extLst>
       <p:ext uri="{BB962C8B-B14F-4D97-AF65-F5344CB8AC3E}">
-        <p14:creationId xmlns:p14="http://schemas.microsoft.com/office/powerpoint/2010/main" val="4269649416"/>
+        <p14:creationId xmlns:p14="http://schemas.microsoft.com/office/powerpoint/2010/main" val="945725544"/>
       </p:ext>
     </p:extLst>
   </p:cSld>
@@ -349,7 +354,7 @@
           <p:cNvPr id="2" name="Titolo 1">
             <a:extLst>
               <a:ext uri="{FF2B5EF4-FFF2-40B4-BE49-F238E27FC236}">
-                <a16:creationId xmlns:a16="http://schemas.microsoft.com/office/drawing/2014/main" id="{E8FC3B71-7B46-B74C-C50D-AB27D5DA6B7C}"/>
+                <a16:creationId xmlns:a16="http://schemas.microsoft.com/office/drawing/2014/main" id="{A3B37611-F360-A224-B6FE-F6ABBB70B3AC}"/>
               </a:ext>
             </a:extLst>
           </p:cNvPr>
@@ -377,7 +382,7 @@
           <p:cNvPr id="3" name="Segnaposto testo verticale 2">
             <a:extLst>
               <a:ext uri="{FF2B5EF4-FFF2-40B4-BE49-F238E27FC236}">
-                <a16:creationId xmlns:a16="http://schemas.microsoft.com/office/drawing/2014/main" id="{3F237CA4-6B18-F23B-3175-33A74DA4A43E}"/>
+                <a16:creationId xmlns:a16="http://schemas.microsoft.com/office/drawing/2014/main" id="{68DDDDCD-536B-4945-DC35-A4B5D1AC8B76}"/>
               </a:ext>
             </a:extLst>
           </p:cNvPr>
@@ -434,7 +439,7 @@
           <p:cNvPr id="4" name="Segnaposto data 3">
             <a:extLst>
               <a:ext uri="{FF2B5EF4-FFF2-40B4-BE49-F238E27FC236}">
-                <a16:creationId xmlns:a16="http://schemas.microsoft.com/office/drawing/2014/main" id="{A4AE8A55-8900-292F-2EFF-41BEB18DA8AB}"/>
+                <a16:creationId xmlns:a16="http://schemas.microsoft.com/office/drawing/2014/main" id="{7C965AA8-5F99-FDCC-A0AE-620AF364B867}"/>
               </a:ext>
             </a:extLst>
           </p:cNvPr>
@@ -450,9 +455,9 @@
           <a:bodyPr/>
           <a:lstStyle/>
           <a:p>
-            <a:fld id="{9E48F2BF-59AF-471F-B96B-50E3666E5284}" type="datetimeFigureOut">
+            <a:fld id="{CED95E0A-A51C-457C-8A9F-5CFC582E428A}" type="datetimeFigureOut">
               <a:rPr lang="it-IT" smtClean="0"/>
-              <a:t>08/02/2023</a:t>
+              <a:t>27/05/2023</a:t>
             </a:fld>
             <a:endParaRPr lang="it-IT"/>
           </a:p>
@@ -463,7 +468,7 @@
           <p:cNvPr id="5" name="Segnaposto piè di pagina 4">
             <a:extLst>
               <a:ext uri="{FF2B5EF4-FFF2-40B4-BE49-F238E27FC236}">
-                <a16:creationId xmlns:a16="http://schemas.microsoft.com/office/drawing/2014/main" id="{0776112C-D2C1-E8AD-BF76-F434CE0D07D2}"/>
+                <a16:creationId xmlns:a16="http://schemas.microsoft.com/office/drawing/2014/main" id="{AAC65519-3148-D2EA-E542-4D99CD3F449D}"/>
               </a:ext>
             </a:extLst>
           </p:cNvPr>
@@ -488,7 +493,7 @@
           <p:cNvPr id="6" name="Segnaposto numero diapositiva 5">
             <a:extLst>
               <a:ext uri="{FF2B5EF4-FFF2-40B4-BE49-F238E27FC236}">
-                <a16:creationId xmlns:a16="http://schemas.microsoft.com/office/drawing/2014/main" id="{3A050559-382F-02C2-2393-DC5CD6AB5F15}"/>
+                <a16:creationId xmlns:a16="http://schemas.microsoft.com/office/drawing/2014/main" id="{F83E9F29-C246-36F1-F44A-28CA67EFFC55}"/>
               </a:ext>
             </a:extLst>
           </p:cNvPr>
@@ -504,7 +509,7 @@
           <a:bodyPr/>
           <a:lstStyle/>
           <a:p>
-            <a:fld id="{94ECE652-62F8-42F9-9509-0B2E84FA009D}" type="slidenum">
+            <a:fld id="{3D337251-BDAC-4C2A-A50F-1C9D70009F78}" type="slidenum">
               <a:rPr lang="it-IT" smtClean="0"/>
               <a:t>‹N›</a:t>
             </a:fld>
@@ -515,7 +520,7 @@
     </p:spTree>
     <p:extLst>
       <p:ext uri="{BB962C8B-B14F-4D97-AF65-F5344CB8AC3E}">
-        <p14:creationId xmlns:p14="http://schemas.microsoft.com/office/powerpoint/2010/main" val="2929696094"/>
+        <p14:creationId xmlns:p14="http://schemas.microsoft.com/office/powerpoint/2010/main" val="3396271646"/>
       </p:ext>
     </p:extLst>
   </p:cSld>
@@ -547,7 +552,7 @@
           <p:cNvPr id="2" name="Titolo verticale 1">
             <a:extLst>
               <a:ext uri="{FF2B5EF4-FFF2-40B4-BE49-F238E27FC236}">
-                <a16:creationId xmlns:a16="http://schemas.microsoft.com/office/drawing/2014/main" id="{C89FFB6F-8503-8EF6-8113-8A67F163902D}"/>
+                <a16:creationId xmlns:a16="http://schemas.microsoft.com/office/drawing/2014/main" id="{CD238EF6-7EBC-5441-0084-6B69E5F63A23}"/>
               </a:ext>
             </a:extLst>
           </p:cNvPr>
@@ -580,7 +585,7 @@
           <p:cNvPr id="3" name="Segnaposto testo verticale 2">
             <a:extLst>
               <a:ext uri="{FF2B5EF4-FFF2-40B4-BE49-F238E27FC236}">
-                <a16:creationId xmlns:a16="http://schemas.microsoft.com/office/drawing/2014/main" id="{A66B5A95-5C96-66DC-F74D-A1EC53163395}"/>
+                <a16:creationId xmlns:a16="http://schemas.microsoft.com/office/drawing/2014/main" id="{5D9CF8F5-1A6F-F767-5F39-A987DE695CDF}"/>
               </a:ext>
             </a:extLst>
           </p:cNvPr>
@@ -642,7 +647,7 @@
           <p:cNvPr id="4" name="Segnaposto data 3">
             <a:extLst>
               <a:ext uri="{FF2B5EF4-FFF2-40B4-BE49-F238E27FC236}">
-                <a16:creationId xmlns:a16="http://schemas.microsoft.com/office/drawing/2014/main" id="{DB6DBF1E-BCD2-017A-14EF-873FAEC1EF3A}"/>
+                <a16:creationId xmlns:a16="http://schemas.microsoft.com/office/drawing/2014/main" id="{2473DBC7-FA10-8B1D-0747-C9556E5D39AD}"/>
               </a:ext>
             </a:extLst>
           </p:cNvPr>
@@ -658,9 +663,9 @@
           <a:bodyPr/>
           <a:lstStyle/>
           <a:p>
-            <a:fld id="{9E48F2BF-59AF-471F-B96B-50E3666E5284}" type="datetimeFigureOut">
+            <a:fld id="{CED95E0A-A51C-457C-8A9F-5CFC582E428A}" type="datetimeFigureOut">
               <a:rPr lang="it-IT" smtClean="0"/>
-              <a:t>08/02/2023</a:t>
+              <a:t>27/05/2023</a:t>
             </a:fld>
             <a:endParaRPr lang="it-IT"/>
           </a:p>
@@ -671,7 +676,7 @@
           <p:cNvPr id="5" name="Segnaposto piè di pagina 4">
             <a:extLst>
               <a:ext uri="{FF2B5EF4-FFF2-40B4-BE49-F238E27FC236}">
-                <a16:creationId xmlns:a16="http://schemas.microsoft.com/office/drawing/2014/main" id="{EE6BE7B6-1FB2-236B-112E-BAF51195A613}"/>
+                <a16:creationId xmlns:a16="http://schemas.microsoft.com/office/drawing/2014/main" id="{C6BB4324-CE97-29CF-E174-6FB9CBD92AEC}"/>
               </a:ext>
             </a:extLst>
           </p:cNvPr>
@@ -696,7 +701,7 @@
           <p:cNvPr id="6" name="Segnaposto numero diapositiva 5">
             <a:extLst>
               <a:ext uri="{FF2B5EF4-FFF2-40B4-BE49-F238E27FC236}">
-                <a16:creationId xmlns:a16="http://schemas.microsoft.com/office/drawing/2014/main" id="{39E65FF7-2DC7-F0DC-83AA-EC4588A5E72A}"/>
+                <a16:creationId xmlns:a16="http://schemas.microsoft.com/office/drawing/2014/main" id="{33E4209A-639A-2662-02EC-5040071486F9}"/>
               </a:ext>
             </a:extLst>
           </p:cNvPr>
@@ -712,7 +717,7 @@
           <a:bodyPr/>
           <a:lstStyle/>
           <a:p>
-            <a:fld id="{94ECE652-62F8-42F9-9509-0B2E84FA009D}" type="slidenum">
+            <a:fld id="{3D337251-BDAC-4C2A-A50F-1C9D70009F78}" type="slidenum">
               <a:rPr lang="it-IT" smtClean="0"/>
               <a:t>‹N›</a:t>
             </a:fld>
@@ -723,7 +728,7 @@
     </p:spTree>
     <p:extLst>
       <p:ext uri="{BB962C8B-B14F-4D97-AF65-F5344CB8AC3E}">
-        <p14:creationId xmlns:p14="http://schemas.microsoft.com/office/powerpoint/2010/main" val="2544387251"/>
+        <p14:creationId xmlns:p14="http://schemas.microsoft.com/office/powerpoint/2010/main" val="2274829027"/>
       </p:ext>
     </p:extLst>
   </p:cSld>
@@ -755,7 +760,7 @@
           <p:cNvPr id="2" name="Titolo 1">
             <a:extLst>
               <a:ext uri="{FF2B5EF4-FFF2-40B4-BE49-F238E27FC236}">
-                <a16:creationId xmlns:a16="http://schemas.microsoft.com/office/drawing/2014/main" id="{2EB90C77-9026-E94A-B10D-5D58C63E6BFD}"/>
+                <a16:creationId xmlns:a16="http://schemas.microsoft.com/office/drawing/2014/main" id="{DB5568EA-BC80-6023-3168-1DBFBB3A23A4}"/>
               </a:ext>
             </a:extLst>
           </p:cNvPr>
@@ -783,7 +788,7 @@
           <p:cNvPr id="3" name="Segnaposto contenuto 2">
             <a:extLst>
               <a:ext uri="{FF2B5EF4-FFF2-40B4-BE49-F238E27FC236}">
-                <a16:creationId xmlns:a16="http://schemas.microsoft.com/office/drawing/2014/main" id="{CF48D97E-DC1D-B78E-B52B-13BF3E7599ED}"/>
+                <a16:creationId xmlns:a16="http://schemas.microsoft.com/office/drawing/2014/main" id="{8BC8E79E-B1D7-6D46-08E2-3BC6BB9A386B}"/>
               </a:ext>
             </a:extLst>
           </p:cNvPr>
@@ -840,7 +845,7 @@
           <p:cNvPr id="4" name="Segnaposto data 3">
             <a:extLst>
               <a:ext uri="{FF2B5EF4-FFF2-40B4-BE49-F238E27FC236}">
-                <a16:creationId xmlns:a16="http://schemas.microsoft.com/office/drawing/2014/main" id="{DB1E068E-F929-56CD-3343-CB20D3F97B52}"/>
+                <a16:creationId xmlns:a16="http://schemas.microsoft.com/office/drawing/2014/main" id="{AE095030-A9AE-8CF9-1AEC-FFADD4F11567}"/>
               </a:ext>
             </a:extLst>
           </p:cNvPr>
@@ -856,9 +861,9 @@
           <a:bodyPr/>
           <a:lstStyle/>
           <a:p>
-            <a:fld id="{9E48F2BF-59AF-471F-B96B-50E3666E5284}" type="datetimeFigureOut">
+            <a:fld id="{CED95E0A-A51C-457C-8A9F-5CFC582E428A}" type="datetimeFigureOut">
               <a:rPr lang="it-IT" smtClean="0"/>
-              <a:t>08/02/2023</a:t>
+              <a:t>27/05/2023</a:t>
             </a:fld>
             <a:endParaRPr lang="it-IT"/>
           </a:p>
@@ -869,7 +874,7 @@
           <p:cNvPr id="5" name="Segnaposto piè di pagina 4">
             <a:extLst>
               <a:ext uri="{FF2B5EF4-FFF2-40B4-BE49-F238E27FC236}">
-                <a16:creationId xmlns:a16="http://schemas.microsoft.com/office/drawing/2014/main" id="{36260FB0-2F8D-BEDB-979C-7988F50D5040}"/>
+                <a16:creationId xmlns:a16="http://schemas.microsoft.com/office/drawing/2014/main" id="{64736E6B-85BC-2AD7-BB84-96ADEE355057}"/>
               </a:ext>
             </a:extLst>
           </p:cNvPr>
@@ -894,7 +899,7 @@
           <p:cNvPr id="6" name="Segnaposto numero diapositiva 5">
             <a:extLst>
               <a:ext uri="{FF2B5EF4-FFF2-40B4-BE49-F238E27FC236}">
-                <a16:creationId xmlns:a16="http://schemas.microsoft.com/office/drawing/2014/main" id="{1D3C9FB2-A20B-D836-49A4-9569785455E6}"/>
+                <a16:creationId xmlns:a16="http://schemas.microsoft.com/office/drawing/2014/main" id="{264C6710-4834-52BC-1173-17C02F9766E7}"/>
               </a:ext>
             </a:extLst>
           </p:cNvPr>
@@ -910,7 +915,7 @@
           <a:bodyPr/>
           <a:lstStyle/>
           <a:p>
-            <a:fld id="{94ECE652-62F8-42F9-9509-0B2E84FA009D}" type="slidenum">
+            <a:fld id="{3D337251-BDAC-4C2A-A50F-1C9D70009F78}" type="slidenum">
               <a:rPr lang="it-IT" smtClean="0"/>
               <a:t>‹N›</a:t>
             </a:fld>
@@ -921,7 +926,7 @@
     </p:spTree>
     <p:extLst>
       <p:ext uri="{BB962C8B-B14F-4D97-AF65-F5344CB8AC3E}">
-        <p14:creationId xmlns:p14="http://schemas.microsoft.com/office/powerpoint/2010/main" val="1297367036"/>
+        <p14:creationId xmlns:p14="http://schemas.microsoft.com/office/powerpoint/2010/main" val="2388597134"/>
       </p:ext>
     </p:extLst>
   </p:cSld>
@@ -953,7 +958,7 @@
           <p:cNvPr id="2" name="Titolo 1">
             <a:extLst>
               <a:ext uri="{FF2B5EF4-FFF2-40B4-BE49-F238E27FC236}">
-                <a16:creationId xmlns:a16="http://schemas.microsoft.com/office/drawing/2014/main" id="{5EAEE238-CF8B-6250-8196-977450A42492}"/>
+                <a16:creationId xmlns:a16="http://schemas.microsoft.com/office/drawing/2014/main" id="{4CCAAEE7-B628-6510-9507-0E8F8990F4B1}"/>
               </a:ext>
             </a:extLst>
           </p:cNvPr>
@@ -990,7 +995,7 @@
           <p:cNvPr id="3" name="Segnaposto testo 2">
             <a:extLst>
               <a:ext uri="{FF2B5EF4-FFF2-40B4-BE49-F238E27FC236}">
-                <a16:creationId xmlns:a16="http://schemas.microsoft.com/office/drawing/2014/main" id="{5B352D57-7064-1ACD-4053-32F9E56E8070}"/>
+                <a16:creationId xmlns:a16="http://schemas.microsoft.com/office/drawing/2014/main" id="{799D25EC-4EE7-F258-4892-A3701B5B178B}"/>
               </a:ext>
             </a:extLst>
           </p:cNvPr>
@@ -1115,7 +1120,7 @@
           <p:cNvPr id="4" name="Segnaposto data 3">
             <a:extLst>
               <a:ext uri="{FF2B5EF4-FFF2-40B4-BE49-F238E27FC236}">
-                <a16:creationId xmlns:a16="http://schemas.microsoft.com/office/drawing/2014/main" id="{1C0910E4-8D55-56C4-980F-182BFB152719}"/>
+                <a16:creationId xmlns:a16="http://schemas.microsoft.com/office/drawing/2014/main" id="{94C89D0F-330B-2D0B-3B48-37498739CAAF}"/>
               </a:ext>
             </a:extLst>
           </p:cNvPr>
@@ -1131,9 +1136,9 @@
           <a:bodyPr/>
           <a:lstStyle/>
           <a:p>
-            <a:fld id="{9E48F2BF-59AF-471F-B96B-50E3666E5284}" type="datetimeFigureOut">
+            <a:fld id="{CED95E0A-A51C-457C-8A9F-5CFC582E428A}" type="datetimeFigureOut">
               <a:rPr lang="it-IT" smtClean="0"/>
-              <a:t>08/02/2023</a:t>
+              <a:t>27/05/2023</a:t>
             </a:fld>
             <a:endParaRPr lang="it-IT"/>
           </a:p>
@@ -1144,7 +1149,7 @@
           <p:cNvPr id="5" name="Segnaposto piè di pagina 4">
             <a:extLst>
               <a:ext uri="{FF2B5EF4-FFF2-40B4-BE49-F238E27FC236}">
-                <a16:creationId xmlns:a16="http://schemas.microsoft.com/office/drawing/2014/main" id="{24F8D602-1DF0-27C8-EFB4-3C086BAC46DD}"/>
+                <a16:creationId xmlns:a16="http://schemas.microsoft.com/office/drawing/2014/main" id="{9A805F7A-8574-F2E0-7588-9BFDDD225800}"/>
               </a:ext>
             </a:extLst>
           </p:cNvPr>
@@ -1169,7 +1174,7 @@
           <p:cNvPr id="6" name="Segnaposto numero diapositiva 5">
             <a:extLst>
               <a:ext uri="{FF2B5EF4-FFF2-40B4-BE49-F238E27FC236}">
-                <a16:creationId xmlns:a16="http://schemas.microsoft.com/office/drawing/2014/main" id="{8348F9EC-C8ED-AE74-8036-656A0388FD63}"/>
+                <a16:creationId xmlns:a16="http://schemas.microsoft.com/office/drawing/2014/main" id="{CAC71F79-7EB0-C40D-0EC2-F1C6ABEA62A7}"/>
               </a:ext>
             </a:extLst>
           </p:cNvPr>
@@ -1185,7 +1190,7 @@
           <a:bodyPr/>
           <a:lstStyle/>
           <a:p>
-            <a:fld id="{94ECE652-62F8-42F9-9509-0B2E84FA009D}" type="slidenum">
+            <a:fld id="{3D337251-BDAC-4C2A-A50F-1C9D70009F78}" type="slidenum">
               <a:rPr lang="it-IT" smtClean="0"/>
               <a:t>‹N›</a:t>
             </a:fld>
@@ -1196,7 +1201,7 @@
     </p:spTree>
     <p:extLst>
       <p:ext uri="{BB962C8B-B14F-4D97-AF65-F5344CB8AC3E}">
-        <p14:creationId xmlns:p14="http://schemas.microsoft.com/office/powerpoint/2010/main" val="3232492160"/>
+        <p14:creationId xmlns:p14="http://schemas.microsoft.com/office/powerpoint/2010/main" val="21497016"/>
       </p:ext>
     </p:extLst>
   </p:cSld>
@@ -1228,7 +1233,7 @@
           <p:cNvPr id="2" name="Titolo 1">
             <a:extLst>
               <a:ext uri="{FF2B5EF4-FFF2-40B4-BE49-F238E27FC236}">
-                <a16:creationId xmlns:a16="http://schemas.microsoft.com/office/drawing/2014/main" id="{4FC6B409-1482-DCE2-1E44-A80268DAC0A0}"/>
+                <a16:creationId xmlns:a16="http://schemas.microsoft.com/office/drawing/2014/main" id="{F8F4CC0A-464B-F42C-2981-E5E3C04B280E}"/>
               </a:ext>
             </a:extLst>
           </p:cNvPr>
@@ -1256,7 +1261,7 @@
           <p:cNvPr id="3" name="Segnaposto contenuto 2">
             <a:extLst>
               <a:ext uri="{FF2B5EF4-FFF2-40B4-BE49-F238E27FC236}">
-                <a16:creationId xmlns:a16="http://schemas.microsoft.com/office/drawing/2014/main" id="{46A62A26-3CD6-6721-7F41-3D30367D031C}"/>
+                <a16:creationId xmlns:a16="http://schemas.microsoft.com/office/drawing/2014/main" id="{B59B07EE-B552-CD2B-059E-9F6802CAEEB9}"/>
               </a:ext>
             </a:extLst>
           </p:cNvPr>
@@ -1318,7 +1323,7 @@
           <p:cNvPr id="4" name="Segnaposto contenuto 3">
             <a:extLst>
               <a:ext uri="{FF2B5EF4-FFF2-40B4-BE49-F238E27FC236}">
-                <a16:creationId xmlns:a16="http://schemas.microsoft.com/office/drawing/2014/main" id="{B6B3BD8B-8CEA-A164-6937-CD49769AFBDB}"/>
+                <a16:creationId xmlns:a16="http://schemas.microsoft.com/office/drawing/2014/main" id="{32AF6100-3F74-CBF2-3A01-D370A3B3E54F}"/>
               </a:ext>
             </a:extLst>
           </p:cNvPr>
@@ -1380,7 +1385,7 @@
           <p:cNvPr id="5" name="Segnaposto data 4">
             <a:extLst>
               <a:ext uri="{FF2B5EF4-FFF2-40B4-BE49-F238E27FC236}">
-                <a16:creationId xmlns:a16="http://schemas.microsoft.com/office/drawing/2014/main" id="{489348A6-111E-F825-4D05-1B77F159B961}"/>
+                <a16:creationId xmlns:a16="http://schemas.microsoft.com/office/drawing/2014/main" id="{248A4E8F-FE47-29D9-886B-E380D7B87A95}"/>
               </a:ext>
             </a:extLst>
           </p:cNvPr>
@@ -1396,9 +1401,9 @@
           <a:bodyPr/>
           <a:lstStyle/>
           <a:p>
-            <a:fld id="{9E48F2BF-59AF-471F-B96B-50E3666E5284}" type="datetimeFigureOut">
+            <a:fld id="{CED95E0A-A51C-457C-8A9F-5CFC582E428A}" type="datetimeFigureOut">
               <a:rPr lang="it-IT" smtClean="0"/>
-              <a:t>08/02/2023</a:t>
+              <a:t>27/05/2023</a:t>
             </a:fld>
             <a:endParaRPr lang="it-IT"/>
           </a:p>
@@ -1409,7 +1414,7 @@
           <p:cNvPr id="6" name="Segnaposto piè di pagina 5">
             <a:extLst>
               <a:ext uri="{FF2B5EF4-FFF2-40B4-BE49-F238E27FC236}">
-                <a16:creationId xmlns:a16="http://schemas.microsoft.com/office/drawing/2014/main" id="{39854F3A-ED26-160F-F942-B8BC0C0008AB}"/>
+                <a16:creationId xmlns:a16="http://schemas.microsoft.com/office/drawing/2014/main" id="{F035B280-DBA2-AAC9-AD53-81D7A64A13BA}"/>
               </a:ext>
             </a:extLst>
           </p:cNvPr>
@@ -1434,7 +1439,7 @@
           <p:cNvPr id="7" name="Segnaposto numero diapositiva 6">
             <a:extLst>
               <a:ext uri="{FF2B5EF4-FFF2-40B4-BE49-F238E27FC236}">
-                <a16:creationId xmlns:a16="http://schemas.microsoft.com/office/drawing/2014/main" id="{EB755CBA-D025-ACA7-2887-BD10E56A1B9B}"/>
+                <a16:creationId xmlns:a16="http://schemas.microsoft.com/office/drawing/2014/main" id="{F7EC0462-96E7-C90F-17BB-84E459251988}"/>
               </a:ext>
             </a:extLst>
           </p:cNvPr>
@@ -1450,7 +1455,7 @@
           <a:bodyPr/>
           <a:lstStyle/>
           <a:p>
-            <a:fld id="{94ECE652-62F8-42F9-9509-0B2E84FA009D}" type="slidenum">
+            <a:fld id="{3D337251-BDAC-4C2A-A50F-1C9D70009F78}" type="slidenum">
               <a:rPr lang="it-IT" smtClean="0"/>
               <a:t>‹N›</a:t>
             </a:fld>
@@ -1461,7 +1466,7 @@
     </p:spTree>
     <p:extLst>
       <p:ext uri="{BB962C8B-B14F-4D97-AF65-F5344CB8AC3E}">
-        <p14:creationId xmlns:p14="http://schemas.microsoft.com/office/powerpoint/2010/main" val="2378835893"/>
+        <p14:creationId xmlns:p14="http://schemas.microsoft.com/office/powerpoint/2010/main" val="2474962023"/>
       </p:ext>
     </p:extLst>
   </p:cSld>
@@ -1493,7 +1498,7 @@
           <p:cNvPr id="2" name="Titolo 1">
             <a:extLst>
               <a:ext uri="{FF2B5EF4-FFF2-40B4-BE49-F238E27FC236}">
-                <a16:creationId xmlns:a16="http://schemas.microsoft.com/office/drawing/2014/main" id="{9157A890-3982-C99A-19E6-0617D57EB2CD}"/>
+                <a16:creationId xmlns:a16="http://schemas.microsoft.com/office/drawing/2014/main" id="{9ACE82C9-7C28-BFDF-7D74-12D3210DB3EE}"/>
               </a:ext>
             </a:extLst>
           </p:cNvPr>
@@ -1526,7 +1531,7 @@
           <p:cNvPr id="3" name="Segnaposto testo 2">
             <a:extLst>
               <a:ext uri="{FF2B5EF4-FFF2-40B4-BE49-F238E27FC236}">
-                <a16:creationId xmlns:a16="http://schemas.microsoft.com/office/drawing/2014/main" id="{7918BF23-0B36-A508-97EE-0A68B9F95B0B}"/>
+                <a16:creationId xmlns:a16="http://schemas.microsoft.com/office/drawing/2014/main" id="{B51590D1-0C7E-6D55-94B7-48BBFDAFA86A}"/>
               </a:ext>
             </a:extLst>
           </p:cNvPr>
@@ -1597,7 +1602,7 @@
           <p:cNvPr id="4" name="Segnaposto contenuto 3">
             <a:extLst>
               <a:ext uri="{FF2B5EF4-FFF2-40B4-BE49-F238E27FC236}">
-                <a16:creationId xmlns:a16="http://schemas.microsoft.com/office/drawing/2014/main" id="{9A2D4015-FFDF-8BFD-F4E8-D5A75C7D1CC1}"/>
+                <a16:creationId xmlns:a16="http://schemas.microsoft.com/office/drawing/2014/main" id="{4449850B-3F87-01F0-45A6-00AF94DE76A6}"/>
               </a:ext>
             </a:extLst>
           </p:cNvPr>
@@ -1659,7 +1664,7 @@
           <p:cNvPr id="5" name="Segnaposto testo 4">
             <a:extLst>
               <a:ext uri="{FF2B5EF4-FFF2-40B4-BE49-F238E27FC236}">
-                <a16:creationId xmlns:a16="http://schemas.microsoft.com/office/drawing/2014/main" id="{99F8BE3B-BB70-B4F3-DA55-474DCE11DDA8}"/>
+                <a16:creationId xmlns:a16="http://schemas.microsoft.com/office/drawing/2014/main" id="{F264D50D-CE02-C078-CB41-027802891939}"/>
               </a:ext>
             </a:extLst>
           </p:cNvPr>
@@ -1730,7 +1735,7 @@
           <p:cNvPr id="6" name="Segnaposto contenuto 5">
             <a:extLst>
               <a:ext uri="{FF2B5EF4-FFF2-40B4-BE49-F238E27FC236}">
-                <a16:creationId xmlns:a16="http://schemas.microsoft.com/office/drawing/2014/main" id="{EBAD0B60-A4DB-EA5C-EA6B-A93D677A640A}"/>
+                <a16:creationId xmlns:a16="http://schemas.microsoft.com/office/drawing/2014/main" id="{B7E73526-67E1-67D3-F1C9-9306B844DCA0}"/>
               </a:ext>
             </a:extLst>
           </p:cNvPr>
@@ -1792,7 +1797,7 @@
           <p:cNvPr id="7" name="Segnaposto data 6">
             <a:extLst>
               <a:ext uri="{FF2B5EF4-FFF2-40B4-BE49-F238E27FC236}">
-                <a16:creationId xmlns:a16="http://schemas.microsoft.com/office/drawing/2014/main" id="{14F60793-4885-FD5D-AE2A-642F44C5D4B6}"/>
+                <a16:creationId xmlns:a16="http://schemas.microsoft.com/office/drawing/2014/main" id="{5E32A148-6F83-EF92-576C-2594989B869E}"/>
               </a:ext>
             </a:extLst>
           </p:cNvPr>
@@ -1808,9 +1813,9 @@
           <a:bodyPr/>
           <a:lstStyle/>
           <a:p>
-            <a:fld id="{9E48F2BF-59AF-471F-B96B-50E3666E5284}" type="datetimeFigureOut">
+            <a:fld id="{CED95E0A-A51C-457C-8A9F-5CFC582E428A}" type="datetimeFigureOut">
               <a:rPr lang="it-IT" smtClean="0"/>
-              <a:t>08/02/2023</a:t>
+              <a:t>27/05/2023</a:t>
             </a:fld>
             <a:endParaRPr lang="it-IT"/>
           </a:p>
@@ -1821,7 +1826,7 @@
           <p:cNvPr id="8" name="Segnaposto piè di pagina 7">
             <a:extLst>
               <a:ext uri="{FF2B5EF4-FFF2-40B4-BE49-F238E27FC236}">
-                <a16:creationId xmlns:a16="http://schemas.microsoft.com/office/drawing/2014/main" id="{7A22DD32-DDB2-DD99-BAAE-89DF02A70BDD}"/>
+                <a16:creationId xmlns:a16="http://schemas.microsoft.com/office/drawing/2014/main" id="{31365ADF-7C65-6E05-4A93-EB0833B27E4E}"/>
               </a:ext>
             </a:extLst>
           </p:cNvPr>
@@ -1846,7 +1851,7 @@
           <p:cNvPr id="9" name="Segnaposto numero diapositiva 8">
             <a:extLst>
               <a:ext uri="{FF2B5EF4-FFF2-40B4-BE49-F238E27FC236}">
-                <a16:creationId xmlns:a16="http://schemas.microsoft.com/office/drawing/2014/main" id="{7444558F-DFD3-1531-2C4D-2E0B3648DD8E}"/>
+                <a16:creationId xmlns:a16="http://schemas.microsoft.com/office/drawing/2014/main" id="{0E5E8064-3D61-3CE5-C67A-A367F50E47B7}"/>
               </a:ext>
             </a:extLst>
           </p:cNvPr>
@@ -1862,7 +1867,7 @@
           <a:bodyPr/>
           <a:lstStyle/>
           <a:p>
-            <a:fld id="{94ECE652-62F8-42F9-9509-0B2E84FA009D}" type="slidenum">
+            <a:fld id="{3D337251-BDAC-4C2A-A50F-1C9D70009F78}" type="slidenum">
               <a:rPr lang="it-IT" smtClean="0"/>
               <a:t>‹N›</a:t>
             </a:fld>
@@ -1873,7 +1878,7 @@
     </p:spTree>
     <p:extLst>
       <p:ext uri="{BB962C8B-B14F-4D97-AF65-F5344CB8AC3E}">
-        <p14:creationId xmlns:p14="http://schemas.microsoft.com/office/powerpoint/2010/main" val="658239682"/>
+        <p14:creationId xmlns:p14="http://schemas.microsoft.com/office/powerpoint/2010/main" val="601891962"/>
       </p:ext>
     </p:extLst>
   </p:cSld>
@@ -1905,7 +1910,7 @@
           <p:cNvPr id="2" name="Titolo 1">
             <a:extLst>
               <a:ext uri="{FF2B5EF4-FFF2-40B4-BE49-F238E27FC236}">
-                <a16:creationId xmlns:a16="http://schemas.microsoft.com/office/drawing/2014/main" id="{B7A1BDD3-BCA2-3AFD-412F-B39610792B6B}"/>
+                <a16:creationId xmlns:a16="http://schemas.microsoft.com/office/drawing/2014/main" id="{73753E9C-B130-5C01-8B3D-CB0571CC5616}"/>
               </a:ext>
             </a:extLst>
           </p:cNvPr>
@@ -1933,7 +1938,7 @@
           <p:cNvPr id="3" name="Segnaposto data 2">
             <a:extLst>
               <a:ext uri="{FF2B5EF4-FFF2-40B4-BE49-F238E27FC236}">
-                <a16:creationId xmlns:a16="http://schemas.microsoft.com/office/drawing/2014/main" id="{87C9E4EC-E8D5-F9E4-DF14-9A1828CEC912}"/>
+                <a16:creationId xmlns:a16="http://schemas.microsoft.com/office/drawing/2014/main" id="{30B59CFB-D26A-F6AD-6F2E-491D1512E431}"/>
               </a:ext>
             </a:extLst>
           </p:cNvPr>
@@ -1949,9 +1954,9 @@
           <a:bodyPr/>
           <a:lstStyle/>
           <a:p>
-            <a:fld id="{9E48F2BF-59AF-471F-B96B-50E3666E5284}" type="datetimeFigureOut">
+            <a:fld id="{CED95E0A-A51C-457C-8A9F-5CFC582E428A}" type="datetimeFigureOut">
               <a:rPr lang="it-IT" smtClean="0"/>
-              <a:t>08/02/2023</a:t>
+              <a:t>27/05/2023</a:t>
             </a:fld>
             <a:endParaRPr lang="it-IT"/>
           </a:p>
@@ -1962,7 +1967,7 @@
           <p:cNvPr id="4" name="Segnaposto piè di pagina 3">
             <a:extLst>
               <a:ext uri="{FF2B5EF4-FFF2-40B4-BE49-F238E27FC236}">
-                <a16:creationId xmlns:a16="http://schemas.microsoft.com/office/drawing/2014/main" id="{609597FE-0EC0-A8D5-CEE8-988735C157AE}"/>
+                <a16:creationId xmlns:a16="http://schemas.microsoft.com/office/drawing/2014/main" id="{6FE443EE-EEC6-8933-6B96-4A4395D3A0E9}"/>
               </a:ext>
             </a:extLst>
           </p:cNvPr>
@@ -1987,7 +1992,7 @@
           <p:cNvPr id="5" name="Segnaposto numero diapositiva 4">
             <a:extLst>
               <a:ext uri="{FF2B5EF4-FFF2-40B4-BE49-F238E27FC236}">
-                <a16:creationId xmlns:a16="http://schemas.microsoft.com/office/drawing/2014/main" id="{9CB52B06-6E19-7BF8-E2E4-5A5B81E75B3C}"/>
+                <a16:creationId xmlns:a16="http://schemas.microsoft.com/office/drawing/2014/main" id="{5F928940-F882-FCE8-A322-3466D7174494}"/>
               </a:ext>
             </a:extLst>
           </p:cNvPr>
@@ -2003,7 +2008,7 @@
           <a:bodyPr/>
           <a:lstStyle/>
           <a:p>
-            <a:fld id="{94ECE652-62F8-42F9-9509-0B2E84FA009D}" type="slidenum">
+            <a:fld id="{3D337251-BDAC-4C2A-A50F-1C9D70009F78}" type="slidenum">
               <a:rPr lang="it-IT" smtClean="0"/>
               <a:t>‹N›</a:t>
             </a:fld>
@@ -2014,7 +2019,7 @@
     </p:spTree>
     <p:extLst>
       <p:ext uri="{BB962C8B-B14F-4D97-AF65-F5344CB8AC3E}">
-        <p14:creationId xmlns:p14="http://schemas.microsoft.com/office/powerpoint/2010/main" val="1464913249"/>
+        <p14:creationId xmlns:p14="http://schemas.microsoft.com/office/powerpoint/2010/main" val="1026651659"/>
       </p:ext>
     </p:extLst>
   </p:cSld>
@@ -2046,7 +2051,7 @@
           <p:cNvPr id="2" name="Segnaposto data 1">
             <a:extLst>
               <a:ext uri="{FF2B5EF4-FFF2-40B4-BE49-F238E27FC236}">
-                <a16:creationId xmlns:a16="http://schemas.microsoft.com/office/drawing/2014/main" id="{D7DE89F4-0828-229B-95AD-A937A1BEF049}"/>
+                <a16:creationId xmlns:a16="http://schemas.microsoft.com/office/drawing/2014/main" id="{D043A6FF-C24A-B885-F632-4CF6F383EA42}"/>
               </a:ext>
             </a:extLst>
           </p:cNvPr>
@@ -2062,9 +2067,9 @@
           <a:bodyPr/>
           <a:lstStyle/>
           <a:p>
-            <a:fld id="{9E48F2BF-59AF-471F-B96B-50E3666E5284}" type="datetimeFigureOut">
+            <a:fld id="{CED95E0A-A51C-457C-8A9F-5CFC582E428A}" type="datetimeFigureOut">
               <a:rPr lang="it-IT" smtClean="0"/>
-              <a:t>08/02/2023</a:t>
+              <a:t>27/05/2023</a:t>
             </a:fld>
             <a:endParaRPr lang="it-IT"/>
           </a:p>
@@ -2075,7 +2080,7 @@
           <p:cNvPr id="3" name="Segnaposto piè di pagina 2">
             <a:extLst>
               <a:ext uri="{FF2B5EF4-FFF2-40B4-BE49-F238E27FC236}">
-                <a16:creationId xmlns:a16="http://schemas.microsoft.com/office/drawing/2014/main" id="{D5630299-DFC2-9C10-4587-5A62CEB1D758}"/>
+                <a16:creationId xmlns:a16="http://schemas.microsoft.com/office/drawing/2014/main" id="{A5A17BB2-5D77-83C3-3346-18B4A813FF7B}"/>
               </a:ext>
             </a:extLst>
           </p:cNvPr>
@@ -2100,7 +2105,7 @@
           <p:cNvPr id="4" name="Segnaposto numero diapositiva 3">
             <a:extLst>
               <a:ext uri="{FF2B5EF4-FFF2-40B4-BE49-F238E27FC236}">
-                <a16:creationId xmlns:a16="http://schemas.microsoft.com/office/drawing/2014/main" id="{70FD3469-DE35-47DB-4C31-7A37C9877B8A}"/>
+                <a16:creationId xmlns:a16="http://schemas.microsoft.com/office/drawing/2014/main" id="{27CD0EC1-9CF6-02A0-6B4D-40844B51E985}"/>
               </a:ext>
             </a:extLst>
           </p:cNvPr>
@@ -2116,7 +2121,7 @@
           <a:bodyPr/>
           <a:lstStyle/>
           <a:p>
-            <a:fld id="{94ECE652-62F8-42F9-9509-0B2E84FA009D}" type="slidenum">
+            <a:fld id="{3D337251-BDAC-4C2A-A50F-1C9D70009F78}" type="slidenum">
               <a:rPr lang="it-IT" smtClean="0"/>
               <a:t>‹N›</a:t>
             </a:fld>
@@ -2127,7 +2132,7 @@
     </p:spTree>
     <p:extLst>
       <p:ext uri="{BB962C8B-B14F-4D97-AF65-F5344CB8AC3E}">
-        <p14:creationId xmlns:p14="http://schemas.microsoft.com/office/powerpoint/2010/main" val="2642775170"/>
+        <p14:creationId xmlns:p14="http://schemas.microsoft.com/office/powerpoint/2010/main" val="1916254652"/>
       </p:ext>
     </p:extLst>
   </p:cSld>
@@ -2159,7 +2164,7 @@
           <p:cNvPr id="2" name="Titolo 1">
             <a:extLst>
               <a:ext uri="{FF2B5EF4-FFF2-40B4-BE49-F238E27FC236}">
-                <a16:creationId xmlns:a16="http://schemas.microsoft.com/office/drawing/2014/main" id="{15540DE4-910D-E98A-952F-EFF7B269233B}"/>
+                <a16:creationId xmlns:a16="http://schemas.microsoft.com/office/drawing/2014/main" id="{DD271EAE-CBD5-27BE-8C59-8267160F8636}"/>
               </a:ext>
             </a:extLst>
           </p:cNvPr>
@@ -2196,7 +2201,7 @@
           <p:cNvPr id="3" name="Segnaposto contenuto 2">
             <a:extLst>
               <a:ext uri="{FF2B5EF4-FFF2-40B4-BE49-F238E27FC236}">
-                <a16:creationId xmlns:a16="http://schemas.microsoft.com/office/drawing/2014/main" id="{9D49BAB8-3FD2-F84D-2F54-EE967A9F5BEF}"/>
+                <a16:creationId xmlns:a16="http://schemas.microsoft.com/office/drawing/2014/main" id="{0A157726-210F-5190-1D21-E03A99239729}"/>
               </a:ext>
             </a:extLst>
           </p:cNvPr>
@@ -2286,7 +2291,7 @@
           <p:cNvPr id="4" name="Segnaposto testo 3">
             <a:extLst>
               <a:ext uri="{FF2B5EF4-FFF2-40B4-BE49-F238E27FC236}">
-                <a16:creationId xmlns:a16="http://schemas.microsoft.com/office/drawing/2014/main" id="{75B3B964-51A8-A9FC-A6AF-BD2B2F895B7B}"/>
+                <a16:creationId xmlns:a16="http://schemas.microsoft.com/office/drawing/2014/main" id="{1CB77B68-3EB1-9A75-4594-D58380FB0351}"/>
               </a:ext>
             </a:extLst>
           </p:cNvPr>
@@ -2357,7 +2362,7 @@
           <p:cNvPr id="5" name="Segnaposto data 4">
             <a:extLst>
               <a:ext uri="{FF2B5EF4-FFF2-40B4-BE49-F238E27FC236}">
-                <a16:creationId xmlns:a16="http://schemas.microsoft.com/office/drawing/2014/main" id="{53CACEF5-6DE8-B19C-933B-1D8C42D0B8F9}"/>
+                <a16:creationId xmlns:a16="http://schemas.microsoft.com/office/drawing/2014/main" id="{B1FE1259-2EB2-2270-2110-AE7112AFF81E}"/>
               </a:ext>
             </a:extLst>
           </p:cNvPr>
@@ -2373,9 +2378,9 @@
           <a:bodyPr/>
           <a:lstStyle/>
           <a:p>
-            <a:fld id="{9E48F2BF-59AF-471F-B96B-50E3666E5284}" type="datetimeFigureOut">
+            <a:fld id="{CED95E0A-A51C-457C-8A9F-5CFC582E428A}" type="datetimeFigureOut">
               <a:rPr lang="it-IT" smtClean="0"/>
-              <a:t>08/02/2023</a:t>
+              <a:t>27/05/2023</a:t>
             </a:fld>
             <a:endParaRPr lang="it-IT"/>
           </a:p>
@@ -2386,7 +2391,7 @@
           <p:cNvPr id="6" name="Segnaposto piè di pagina 5">
             <a:extLst>
               <a:ext uri="{FF2B5EF4-FFF2-40B4-BE49-F238E27FC236}">
-                <a16:creationId xmlns:a16="http://schemas.microsoft.com/office/drawing/2014/main" id="{C30451E1-1C55-50C2-6195-DA945F7F53D3}"/>
+                <a16:creationId xmlns:a16="http://schemas.microsoft.com/office/drawing/2014/main" id="{ED70F50B-34A3-8E5C-99A9-44488C572D8C}"/>
               </a:ext>
             </a:extLst>
           </p:cNvPr>
@@ -2411,7 +2416,7 @@
           <p:cNvPr id="7" name="Segnaposto numero diapositiva 6">
             <a:extLst>
               <a:ext uri="{FF2B5EF4-FFF2-40B4-BE49-F238E27FC236}">
-                <a16:creationId xmlns:a16="http://schemas.microsoft.com/office/drawing/2014/main" id="{670D5F6C-B8D0-9820-57A3-0CCE5D2B58EA}"/>
+                <a16:creationId xmlns:a16="http://schemas.microsoft.com/office/drawing/2014/main" id="{61B0E566-4AC2-987B-9608-7BECC7F95E7C}"/>
               </a:ext>
             </a:extLst>
           </p:cNvPr>
@@ -2427,7 +2432,7 @@
           <a:bodyPr/>
           <a:lstStyle/>
           <a:p>
-            <a:fld id="{94ECE652-62F8-42F9-9509-0B2E84FA009D}" type="slidenum">
+            <a:fld id="{3D337251-BDAC-4C2A-A50F-1C9D70009F78}" type="slidenum">
               <a:rPr lang="it-IT" smtClean="0"/>
               <a:t>‹N›</a:t>
             </a:fld>
@@ -2438,7 +2443,7 @@
     </p:spTree>
     <p:extLst>
       <p:ext uri="{BB962C8B-B14F-4D97-AF65-F5344CB8AC3E}">
-        <p14:creationId xmlns:p14="http://schemas.microsoft.com/office/powerpoint/2010/main" val="389088411"/>
+        <p14:creationId xmlns:p14="http://schemas.microsoft.com/office/powerpoint/2010/main" val="1194764218"/>
       </p:ext>
     </p:extLst>
   </p:cSld>
@@ -2470,7 +2475,7 @@
           <p:cNvPr id="2" name="Titolo 1">
             <a:extLst>
               <a:ext uri="{FF2B5EF4-FFF2-40B4-BE49-F238E27FC236}">
-                <a16:creationId xmlns:a16="http://schemas.microsoft.com/office/drawing/2014/main" id="{A9F62062-D76C-55FC-4CA6-EB14D0AF0DBB}"/>
+                <a16:creationId xmlns:a16="http://schemas.microsoft.com/office/drawing/2014/main" id="{138D7A81-909D-A23C-5863-026372B89475}"/>
               </a:ext>
             </a:extLst>
           </p:cNvPr>
@@ -2507,7 +2512,7 @@
           <p:cNvPr id="3" name="Segnaposto immagine 2">
             <a:extLst>
               <a:ext uri="{FF2B5EF4-FFF2-40B4-BE49-F238E27FC236}">
-                <a16:creationId xmlns:a16="http://schemas.microsoft.com/office/drawing/2014/main" id="{545558BB-F98E-7CDF-9CA0-9EDED46C2616}"/>
+                <a16:creationId xmlns:a16="http://schemas.microsoft.com/office/drawing/2014/main" id="{1EFA6F13-B9C7-E38C-F3B7-1A8672C9E9C8}"/>
               </a:ext>
             </a:extLst>
           </p:cNvPr>
@@ -2574,7 +2579,7 @@
           <p:cNvPr id="4" name="Segnaposto testo 3">
             <a:extLst>
               <a:ext uri="{FF2B5EF4-FFF2-40B4-BE49-F238E27FC236}">
-                <a16:creationId xmlns:a16="http://schemas.microsoft.com/office/drawing/2014/main" id="{2637462B-0326-D970-5CB6-87FD1D9979A7}"/>
+                <a16:creationId xmlns:a16="http://schemas.microsoft.com/office/drawing/2014/main" id="{000063DF-0090-3C05-5B6F-B1EAA899A791}"/>
               </a:ext>
             </a:extLst>
           </p:cNvPr>
@@ -2645,7 +2650,7 @@
           <p:cNvPr id="5" name="Segnaposto data 4">
             <a:extLst>
               <a:ext uri="{FF2B5EF4-FFF2-40B4-BE49-F238E27FC236}">
-                <a16:creationId xmlns:a16="http://schemas.microsoft.com/office/drawing/2014/main" id="{75A9A8F3-59B4-CAB8-9B29-03A32827485F}"/>
+                <a16:creationId xmlns:a16="http://schemas.microsoft.com/office/drawing/2014/main" id="{D4E2FC07-9370-D2E1-6AB8-84C9837CD036}"/>
               </a:ext>
             </a:extLst>
           </p:cNvPr>
@@ -2661,9 +2666,9 @@
           <a:bodyPr/>
           <a:lstStyle/>
           <a:p>
-            <a:fld id="{9E48F2BF-59AF-471F-B96B-50E3666E5284}" type="datetimeFigureOut">
+            <a:fld id="{CED95E0A-A51C-457C-8A9F-5CFC582E428A}" type="datetimeFigureOut">
               <a:rPr lang="it-IT" smtClean="0"/>
-              <a:t>08/02/2023</a:t>
+              <a:t>27/05/2023</a:t>
             </a:fld>
             <a:endParaRPr lang="it-IT"/>
           </a:p>
@@ -2674,7 +2679,7 @@
           <p:cNvPr id="6" name="Segnaposto piè di pagina 5">
             <a:extLst>
               <a:ext uri="{FF2B5EF4-FFF2-40B4-BE49-F238E27FC236}">
-                <a16:creationId xmlns:a16="http://schemas.microsoft.com/office/drawing/2014/main" id="{FB3700A9-6B6D-0788-F3CE-5CFAEBDE474B}"/>
+                <a16:creationId xmlns:a16="http://schemas.microsoft.com/office/drawing/2014/main" id="{AB1E90E2-352C-093E-49A0-7A11433119F0}"/>
               </a:ext>
             </a:extLst>
           </p:cNvPr>
@@ -2699,7 +2704,7 @@
           <p:cNvPr id="7" name="Segnaposto numero diapositiva 6">
             <a:extLst>
               <a:ext uri="{FF2B5EF4-FFF2-40B4-BE49-F238E27FC236}">
-                <a16:creationId xmlns:a16="http://schemas.microsoft.com/office/drawing/2014/main" id="{AB89B022-26BA-D482-3C21-233AA24534BA}"/>
+                <a16:creationId xmlns:a16="http://schemas.microsoft.com/office/drawing/2014/main" id="{EEBF1468-F77D-6960-9F53-E0D50C88B980}"/>
               </a:ext>
             </a:extLst>
           </p:cNvPr>
@@ -2715,7 +2720,7 @@
           <a:bodyPr/>
           <a:lstStyle/>
           <a:p>
-            <a:fld id="{94ECE652-62F8-42F9-9509-0B2E84FA009D}" type="slidenum">
+            <a:fld id="{3D337251-BDAC-4C2A-A50F-1C9D70009F78}" type="slidenum">
               <a:rPr lang="it-IT" smtClean="0"/>
               <a:t>‹N›</a:t>
             </a:fld>
@@ -2726,7 +2731,7 @@
     </p:spTree>
     <p:extLst>
       <p:ext uri="{BB962C8B-B14F-4D97-AF65-F5344CB8AC3E}">
-        <p14:creationId xmlns:p14="http://schemas.microsoft.com/office/powerpoint/2010/main" val="2953610045"/>
+        <p14:creationId xmlns:p14="http://schemas.microsoft.com/office/powerpoint/2010/main" val="3641995426"/>
       </p:ext>
     </p:extLst>
   </p:cSld>
@@ -2763,7 +2768,7 @@
           <p:cNvPr id="2" name="Segnaposto titolo 1">
             <a:extLst>
               <a:ext uri="{FF2B5EF4-FFF2-40B4-BE49-F238E27FC236}">
-                <a16:creationId xmlns:a16="http://schemas.microsoft.com/office/drawing/2014/main" id="{19C0EEC2-1402-9F9F-2E68-2D0A7E06F3D1}"/>
+                <a16:creationId xmlns:a16="http://schemas.microsoft.com/office/drawing/2014/main" id="{6E2207ED-C671-869E-42CC-85853750CF96}"/>
               </a:ext>
             </a:extLst>
           </p:cNvPr>
@@ -2801,7 +2806,7 @@
           <p:cNvPr id="3" name="Segnaposto testo 2">
             <a:extLst>
               <a:ext uri="{FF2B5EF4-FFF2-40B4-BE49-F238E27FC236}">
-                <a16:creationId xmlns:a16="http://schemas.microsoft.com/office/drawing/2014/main" id="{A07C3673-78B5-1D49-DD34-42BBA685C718}"/>
+                <a16:creationId xmlns:a16="http://schemas.microsoft.com/office/drawing/2014/main" id="{3AC7801C-27B3-8763-48C6-3B19BEE12F4A}"/>
               </a:ext>
             </a:extLst>
           </p:cNvPr>
@@ -2868,7 +2873,7 @@
           <p:cNvPr id="4" name="Segnaposto data 3">
             <a:extLst>
               <a:ext uri="{FF2B5EF4-FFF2-40B4-BE49-F238E27FC236}">
-                <a16:creationId xmlns:a16="http://schemas.microsoft.com/office/drawing/2014/main" id="{03054AF1-0948-0B9B-2CF4-A131B92E0AEC}"/>
+                <a16:creationId xmlns:a16="http://schemas.microsoft.com/office/drawing/2014/main" id="{002FF2E7-AD40-DA08-C430-87685D75D45C}"/>
               </a:ext>
             </a:extLst>
           </p:cNvPr>
@@ -2902,9 +2907,9 @@
             </a:lvl1pPr>
           </a:lstStyle>
           <a:p>
-            <a:fld id="{9E48F2BF-59AF-471F-B96B-50E3666E5284}" type="datetimeFigureOut">
+            <a:fld id="{CED95E0A-A51C-457C-8A9F-5CFC582E428A}" type="datetimeFigureOut">
               <a:rPr lang="it-IT" smtClean="0"/>
-              <a:t>08/02/2023</a:t>
+              <a:t>27/05/2023</a:t>
             </a:fld>
             <a:endParaRPr lang="it-IT"/>
           </a:p>
@@ -2915,7 +2920,7 @@
           <p:cNvPr id="5" name="Segnaposto piè di pagina 4">
             <a:extLst>
               <a:ext uri="{FF2B5EF4-FFF2-40B4-BE49-F238E27FC236}">
-                <a16:creationId xmlns:a16="http://schemas.microsoft.com/office/drawing/2014/main" id="{61DE7018-2D2E-E031-37B2-F57447F6C3F6}"/>
+                <a16:creationId xmlns:a16="http://schemas.microsoft.com/office/drawing/2014/main" id="{44C2AB01-5BCB-3460-BB3B-7F0407A43096}"/>
               </a:ext>
             </a:extLst>
           </p:cNvPr>
@@ -2958,7 +2963,7 @@
           <p:cNvPr id="6" name="Segnaposto numero diapositiva 5">
             <a:extLst>
               <a:ext uri="{FF2B5EF4-FFF2-40B4-BE49-F238E27FC236}">
-                <a16:creationId xmlns:a16="http://schemas.microsoft.com/office/drawing/2014/main" id="{E4A6EC1B-E97A-2E52-94DB-576E1DE4459E}"/>
+                <a16:creationId xmlns:a16="http://schemas.microsoft.com/office/drawing/2014/main" id="{F1AF443E-C785-D483-642D-97A6EEEF5AB9}"/>
               </a:ext>
             </a:extLst>
           </p:cNvPr>
@@ -2992,7 +2997,7 @@
             </a:lvl1pPr>
           </a:lstStyle>
           <a:p>
-            <a:fld id="{94ECE652-62F8-42F9-9509-0B2E84FA009D}" type="slidenum">
+            <a:fld id="{3D337251-BDAC-4C2A-A50F-1C9D70009F78}" type="slidenum">
               <a:rPr lang="it-IT" smtClean="0"/>
               <a:t>‹N›</a:t>
             </a:fld>
@@ -3003,7 +3008,7 @@
     </p:spTree>
     <p:extLst>
       <p:ext uri="{BB962C8B-B14F-4D97-AF65-F5344CB8AC3E}">
-        <p14:creationId xmlns:p14="http://schemas.microsoft.com/office/powerpoint/2010/main" val="386637764"/>
+        <p14:creationId xmlns:p14="http://schemas.microsoft.com/office/powerpoint/2010/main" val="3071519198"/>
       </p:ext>
     </p:extLst>
   </p:cSld>
@@ -3331,10 +3336,10 @@
       </p:grpSpPr>
       <p:pic>
         <p:nvPicPr>
-          <p:cNvPr id="12" name="Immagine 11">
-            <a:extLst>
-              <a:ext uri="{FF2B5EF4-FFF2-40B4-BE49-F238E27FC236}">
-                <a16:creationId xmlns:a16="http://schemas.microsoft.com/office/drawing/2014/main" id="{29E72853-9597-E775-EFCC-01C72F17FDCC}"/>
+          <p:cNvPr id="18" name="Immagine 17">
+            <a:extLst>
+              <a:ext uri="{FF2B5EF4-FFF2-40B4-BE49-F238E27FC236}">
+                <a16:creationId xmlns:a16="http://schemas.microsoft.com/office/drawing/2014/main" id="{BDA3303D-4F6D-7E3B-3E56-F4A43A89C5CF}"/>
               </a:ext>
             </a:extLst>
           </p:cNvPr>
@@ -3345,17 +3350,22 @@
         </p:nvPicPr>
         <p:blipFill rotWithShape="1">
           <a:blip r:embed="rId2"/>
-          <a:srcRect l="24140" t="26667" r="35859" b="6528"/>
+          <a:srcRect l="28555" t="20184" r="37798" b="5689"/>
           <a:stretch/>
         </p:blipFill>
         <p:spPr>
           <a:xfrm>
-            <a:off x="6369655" y="731434"/>
-            <a:ext cx="5645695" cy="5303691"/>
+            <a:off x="8122912" y="1579071"/>
+            <a:ext cx="4062773" cy="5083730"/>
           </a:xfrm>
           <a:prstGeom prst="rect">
             <a:avLst/>
           </a:prstGeom>
+          <a:ln w="28575">
+            <a:solidFill>
+              <a:schemeClr val="tx1"/>
+            </a:solidFill>
+          </a:ln>
         </p:spPr>
       </p:pic>
       <p:pic>
@@ -3363,7 +3373,7 @@
           <p:cNvPr id="9" name="Immagine 8">
             <a:extLst>
               <a:ext uri="{FF2B5EF4-FFF2-40B4-BE49-F238E27FC236}">
-                <a16:creationId xmlns:a16="http://schemas.microsoft.com/office/drawing/2014/main" id="{FDA33D13-FC72-28A3-57F8-14D399C44ACF}"/>
+                <a16:creationId xmlns:a16="http://schemas.microsoft.com/office/drawing/2014/main" id="{63CA0142-CF6C-9118-9983-8D7BB30A47B4}"/>
               </a:ext>
             </a:extLst>
           </p:cNvPr>
@@ -3374,58 +3384,85 @@
         </p:nvPicPr>
         <p:blipFill rotWithShape="1">
           <a:blip r:embed="rId3"/>
-          <a:srcRect l="24844" t="23890" r="35703" b="6944"/>
+          <a:srcRect l="24565" t="20306" r="41032" b="5566"/>
           <a:stretch/>
         </p:blipFill>
         <p:spPr>
           <a:xfrm>
-            <a:off x="1409700" y="3631096"/>
-            <a:ext cx="3160573" cy="3116744"/>
+            <a:off x="25168" y="1579073"/>
+            <a:ext cx="3853276" cy="5083729"/>
           </a:xfrm>
           <a:prstGeom prst="rect">
             <a:avLst/>
           </a:prstGeom>
+          <a:ln w="28575">
+            <a:solidFill>
+              <a:schemeClr val="tx1"/>
+            </a:solidFill>
+          </a:ln>
         </p:spPr>
       </p:pic>
-      <p:sp>
-        <p:nvSpPr>
-          <p:cNvPr id="17" name="Rectangle 16">
-            <a:extLst>
-              <a:ext uri="{FF2B5EF4-FFF2-40B4-BE49-F238E27FC236}">
-                <a16:creationId xmlns:a16="http://schemas.microsoft.com/office/drawing/2014/main" id="{799448F2-0E5B-42DA-B2D1-11A14E947BD4}"/>
-              </a:ext>
-              <a:ext uri="{C183D7F6-B498-43B3-948B-1728B52AA6E4}">
-                <adec:decorative xmlns:adec="http://schemas.microsoft.com/office/drawing/2017/decorative" val="1"/>
-              </a:ext>
-            </a:extLst>
-          </p:cNvPr>
-          <p:cNvSpPr>
-            <a:spLocks noGrp="1" noRot="1" noChangeAspect="1" noMove="1" noResize="1" noEditPoints="1" noAdjustHandles="1" noChangeArrowheads="1" noChangeShapeType="1" noTextEdit="1"/>
-          </p:cNvSpPr>
-          <p:nvPr>
-            <p:extLst>
-              <p:ext uri="{386F3935-93C4-4BCD-93E2-E3B085C9AB24}">
-                <p16:designElem xmlns:p16="http://schemas.microsoft.com/office/powerpoint/2015/main" val="1"/>
-              </p:ext>
-            </p:extLst>
-          </p:nvPr>
-        </p:nvSpPr>
+      <p:pic>
+        <p:nvPicPr>
+          <p:cNvPr id="13" name="Immagine 12">
+            <a:extLst>
+              <a:ext uri="{FF2B5EF4-FFF2-40B4-BE49-F238E27FC236}">
+                <a16:creationId xmlns:a16="http://schemas.microsoft.com/office/drawing/2014/main" id="{83B4E348-51CB-44CC-CA16-2BE52048BD36}"/>
+              </a:ext>
+            </a:extLst>
+          </p:cNvPr>
+          <p:cNvPicPr>
+            <a:picLocks noChangeAspect="1"/>
+          </p:cNvPicPr>
+          <p:nvPr/>
+        </p:nvPicPr>
+        <p:blipFill rotWithShape="1">
+          <a:blip r:embed="rId4"/>
+          <a:srcRect l="28073" t="19817" r="37776" b="6056"/>
+          <a:stretch/>
+        </p:blipFill>
         <p:spPr>
           <a:xfrm>
-            <a:off x="6050280" y="0"/>
-            <a:ext cx="91440" cy="6858000"/>
+            <a:off x="3928778" y="1579072"/>
+            <a:ext cx="4163655" cy="5083729"/>
           </a:xfrm>
           <a:prstGeom prst="rect">
             <a:avLst/>
           </a:prstGeom>
+          <a:ln w="28575">
+            <a:solidFill>
+              <a:schemeClr val="tx1"/>
+            </a:solidFill>
+          </a:ln>
+        </p:spPr>
+      </p:pic>
+      <p:sp>
+        <p:nvSpPr>
+          <p:cNvPr id="29" name="Rettangolo con angoli arrotondati 28">
+            <a:extLst>
+              <a:ext uri="{FF2B5EF4-FFF2-40B4-BE49-F238E27FC236}">
+                <a16:creationId xmlns:a16="http://schemas.microsoft.com/office/drawing/2014/main" id="{29707E4A-2151-73A5-61E1-5C638DD9962C}"/>
+              </a:ext>
+            </a:extLst>
+          </p:cNvPr>
+          <p:cNvSpPr/>
+          <p:nvPr/>
+        </p:nvSpPr>
+        <p:spPr>
+          <a:xfrm>
+            <a:off x="3968223" y="1676400"/>
+            <a:ext cx="327660" cy="243840"/>
+          </a:xfrm>
+          <a:prstGeom prst="roundRect">
+            <a:avLst/>
+          </a:prstGeom>
           <a:solidFill>
-            <a:schemeClr val="tx1">
-              <a:lumMod val="75000"/>
-              <a:lumOff val="25000"/>
-            </a:schemeClr>
+            <a:srgbClr val="FFC000"/>
           </a:solidFill>
           <a:ln>
-            <a:noFill/>
+            <a:solidFill>
+              <a:schemeClr val="bg1"/>
+            </a:solidFill>
           </a:ln>
         </p:spPr>
         <p:style>
@@ -3449,49 +3486,44 @@
           <a:lstStyle/>
           <a:p>
             <a:pPr algn="ctr"/>
-            <a:endParaRPr lang="en-US"/>
-          </a:p>
-        </p:txBody>
-      </p:sp>
-      <p:sp>
-        <p:nvSpPr>
-          <p:cNvPr id="19" name="Rectangle 18">
-            <a:extLst>
-              <a:ext uri="{FF2B5EF4-FFF2-40B4-BE49-F238E27FC236}">
-                <a16:creationId xmlns:a16="http://schemas.microsoft.com/office/drawing/2014/main" id="{4E8A7552-20E1-4F34-ADAB-C1DB6634D47E}"/>
-              </a:ext>
-              <a:ext uri="{C183D7F6-B498-43B3-948B-1728B52AA6E4}">
-                <adec:decorative xmlns:adec="http://schemas.microsoft.com/office/drawing/2017/decorative" val="1"/>
-              </a:ext>
-            </a:extLst>
-          </p:cNvPr>
-          <p:cNvSpPr>
-            <a:spLocks noGrp="1" noRot="1" noChangeAspect="1" noMove="1" noResize="1" noEditPoints="1" noAdjustHandles="1" noChangeArrowheads="1" noChangeShapeType="1" noTextEdit="1"/>
-          </p:cNvSpPr>
-          <p:nvPr>
-            <p:extLst>
-              <p:ext uri="{386F3935-93C4-4BCD-93E2-E3B085C9AB24}">
-                <p16:designElem xmlns:p16="http://schemas.microsoft.com/office/powerpoint/2015/main" val="1"/>
-              </p:ext>
-            </p:extLst>
-          </p:nvPr>
+            <a:r>
+              <a:rPr lang="it-IT" dirty="0">
+                <a:solidFill>
+                  <a:schemeClr val="tx1"/>
+                </a:solidFill>
+              </a:rPr>
+              <a:t>b</a:t>
+            </a:r>
+          </a:p>
+        </p:txBody>
+      </p:sp>
+      <p:sp>
+        <p:nvSpPr>
+          <p:cNvPr id="30" name="Rettangolo con angoli arrotondati 29">
+            <a:extLst>
+              <a:ext uri="{FF2B5EF4-FFF2-40B4-BE49-F238E27FC236}">
+                <a16:creationId xmlns:a16="http://schemas.microsoft.com/office/drawing/2014/main" id="{68130F63-C828-64B1-0D01-A5F22D2882D7}"/>
+              </a:ext>
+            </a:extLst>
+          </p:cNvPr>
+          <p:cNvSpPr/>
+          <p:nvPr/>
         </p:nvSpPr>
         <p:spPr>
           <a:xfrm>
-            <a:off x="0" y="3383280"/>
-            <a:ext cx="6126480" cy="91440"/>
+            <a:off x="8298342" y="1674835"/>
+            <a:ext cx="327660" cy="243840"/>
           </a:xfrm>
-          <a:prstGeom prst="rect">
+          <a:prstGeom prst="roundRect">
             <a:avLst/>
           </a:prstGeom>
           <a:solidFill>
-            <a:schemeClr val="tx1">
-              <a:lumMod val="75000"/>
-              <a:lumOff val="25000"/>
-            </a:schemeClr>
+            <a:srgbClr val="FFC000"/>
           </a:solidFill>
           <a:ln>
-            <a:noFill/>
+            <a:solidFill>
+              <a:schemeClr val="bg1"/>
+            </a:solidFill>
           </a:ln>
         </p:spPr>
         <p:style>
@@ -3515,65 +3547,45 @@
           <a:lstStyle/>
           <a:p>
             <a:pPr algn="ctr"/>
-            <a:endParaRPr lang="en-US"/>
-          </a:p>
-        </p:txBody>
-      </p:sp>
-      <p:pic>
-        <p:nvPicPr>
-          <p:cNvPr id="8" name="Immagine 7">
-            <a:extLst>
-              <a:ext uri="{FF2B5EF4-FFF2-40B4-BE49-F238E27FC236}">
-                <a16:creationId xmlns:a16="http://schemas.microsoft.com/office/drawing/2014/main" id="{04260C57-2415-F502-ACC5-E02A84EE1EB9}"/>
-              </a:ext>
-            </a:extLst>
-          </p:cNvPr>
-          <p:cNvPicPr>
-            <a:picLocks noChangeAspect="1"/>
-          </p:cNvPicPr>
+            <a:r>
+              <a:rPr lang="it-IT" dirty="0">
+                <a:solidFill>
+                  <a:schemeClr val="tx1"/>
+                </a:solidFill>
+              </a:rPr>
+              <a:t>c</a:t>
+            </a:r>
+          </a:p>
+        </p:txBody>
+      </p:sp>
+      <p:sp>
+        <p:nvSpPr>
+          <p:cNvPr id="31" name="Rettangolo con angoli arrotondati 30">
+            <a:extLst>
+              <a:ext uri="{FF2B5EF4-FFF2-40B4-BE49-F238E27FC236}">
+                <a16:creationId xmlns:a16="http://schemas.microsoft.com/office/drawing/2014/main" id="{D828174B-5FF4-25D6-E2A2-7FC1387C7D20}"/>
+              </a:ext>
+            </a:extLst>
+          </p:cNvPr>
+          <p:cNvSpPr/>
           <p:nvPr/>
-        </p:nvPicPr>
-        <p:blipFill rotWithShape="1">
-          <a:blip r:embed="rId4"/>
-          <a:srcRect l="25313" t="30833" r="35937" b="7083"/>
-          <a:stretch/>
-        </p:blipFill>
+        </p:nvSpPr>
         <p:spPr>
           <a:xfrm>
-            <a:off x="1409700" y="229205"/>
-            <a:ext cx="3161311" cy="2849034"/>
-          </a:xfrm>
-          <a:prstGeom prst="rect">
-            <a:avLst/>
-          </a:prstGeom>
-        </p:spPr>
-      </p:pic>
-      <p:sp>
-        <p:nvSpPr>
-          <p:cNvPr id="14" name="Rettangolo con angoli arrotondati 13">
-            <a:extLst>
-              <a:ext uri="{FF2B5EF4-FFF2-40B4-BE49-F238E27FC236}">
-                <a16:creationId xmlns:a16="http://schemas.microsoft.com/office/drawing/2014/main" id="{0B87BC26-14A7-8E61-AD6A-CE5287731587}"/>
-              </a:ext>
-            </a:extLst>
-          </p:cNvPr>
-          <p:cNvSpPr/>
-          <p:nvPr/>
-        </p:nvSpPr>
-        <p:spPr>
-          <a:xfrm>
-            <a:off x="177553" y="229205"/>
-            <a:ext cx="310719" cy="285700"/>
+            <a:off x="114947" y="1676400"/>
+            <a:ext cx="327660" cy="243840"/>
           </a:xfrm>
           <a:prstGeom prst="roundRect">
             <a:avLst/>
           </a:prstGeom>
           <a:solidFill>
-            <a:schemeClr val="accent4">
-              <a:lumMod val="60000"/>
-              <a:lumOff val="40000"/>
-            </a:schemeClr>
+            <a:srgbClr val="FFC000"/>
           </a:solidFill>
+          <a:ln>
+            <a:solidFill>
+              <a:schemeClr val="bg1"/>
+            </a:solidFill>
+          </a:ln>
         </p:spPr>
         <p:style>
           <a:lnRef idx="2">
@@ -3597,22 +3609,27 @@
           <a:p>
             <a:pPr algn="ctr"/>
             <a:r>
-              <a:rPr lang="it-IT" dirty="0">
+              <a:rPr lang="it-IT">
                 <a:solidFill>
                   <a:schemeClr val="tx1"/>
                 </a:solidFill>
               </a:rPr>
               <a:t>a</a:t>
             </a:r>
-          </a:p>
-        </p:txBody>
-      </p:sp>
-      <p:sp>
-        <p:nvSpPr>
-          <p:cNvPr id="15" name="Rettangolo con angoli arrotondati 14">
-            <a:extLst>
-              <a:ext uri="{FF2B5EF4-FFF2-40B4-BE49-F238E27FC236}">
-                <a16:creationId xmlns:a16="http://schemas.microsoft.com/office/drawing/2014/main" id="{7AD063AD-8600-4B20-D17B-6D95B6BBE330}"/>
+            <a:endParaRPr lang="it-IT" dirty="0">
+              <a:solidFill>
+                <a:schemeClr val="tx1"/>
+              </a:solidFill>
+            </a:endParaRPr>
+          </a:p>
+        </p:txBody>
+      </p:sp>
+      <p:sp>
+        <p:nvSpPr>
+          <p:cNvPr id="14" name="Ovale 13">
+            <a:extLst>
+              <a:ext uri="{FF2B5EF4-FFF2-40B4-BE49-F238E27FC236}">
+                <a16:creationId xmlns:a16="http://schemas.microsoft.com/office/drawing/2014/main" id="{8DDC69E8-7713-B153-8545-776705C5CAA2}"/>
               </a:ext>
             </a:extLst>
           </p:cNvPr>
@@ -3620,19 +3637,19 @@
           <p:nvPr/>
         </p:nvSpPr>
         <p:spPr>
-          <a:xfrm>
-            <a:off x="6369655" y="85316"/>
-            <a:ext cx="310719" cy="285700"/>
+          <a:xfrm rot="2647546">
+            <a:off x="2268350" y="2759022"/>
+            <a:ext cx="1445636" cy="1786854"/>
           </a:xfrm>
-          <a:prstGeom prst="roundRect">
+          <a:prstGeom prst="ellipse">
             <a:avLst/>
           </a:prstGeom>
-          <a:solidFill>
-            <a:schemeClr val="accent4">
-              <a:lumMod val="60000"/>
-              <a:lumOff val="40000"/>
-            </a:schemeClr>
-          </a:solidFill>
+          <a:noFill/>
+          <a:ln>
+            <a:solidFill>
+              <a:srgbClr val="FF0000"/>
+            </a:solidFill>
+          </a:ln>
         </p:spPr>
         <p:style>
           <a:lnRef idx="2">
@@ -3655,23 +3672,16 @@
           <a:lstStyle/>
           <a:p>
             <a:pPr algn="ctr"/>
-            <a:r>
-              <a:rPr lang="it-IT" dirty="0">
-                <a:solidFill>
-                  <a:schemeClr val="tx1"/>
-                </a:solidFill>
-              </a:rPr>
-              <a:t>b</a:t>
-            </a:r>
-          </a:p>
-        </p:txBody>
-      </p:sp>
-      <p:sp>
-        <p:nvSpPr>
-          <p:cNvPr id="16" name="Rettangolo con angoli arrotondati 15">
-            <a:extLst>
-              <a:ext uri="{FF2B5EF4-FFF2-40B4-BE49-F238E27FC236}">
-                <a16:creationId xmlns:a16="http://schemas.microsoft.com/office/drawing/2014/main" id="{FFA267C9-35AB-44AC-9381-82BB914A2B8B}"/>
+            <a:endParaRPr lang="it-IT"/>
+          </a:p>
+        </p:txBody>
+      </p:sp>
+      <p:sp>
+        <p:nvSpPr>
+          <p:cNvPr id="15" name="Ovale 14">
+            <a:extLst>
+              <a:ext uri="{FF2B5EF4-FFF2-40B4-BE49-F238E27FC236}">
+                <a16:creationId xmlns:a16="http://schemas.microsoft.com/office/drawing/2014/main" id="{F4F02739-33C6-A3AF-9880-6C1AB8E799C8}"/>
               </a:ext>
             </a:extLst>
           </p:cNvPr>
@@ -3679,19 +3689,19 @@
           <p:nvPr/>
         </p:nvSpPr>
         <p:spPr>
-          <a:xfrm>
-            <a:off x="176650" y="3631096"/>
-            <a:ext cx="310719" cy="285700"/>
+          <a:xfrm rot="2647546">
+            <a:off x="6598469" y="2535574"/>
+            <a:ext cx="1445636" cy="1786854"/>
           </a:xfrm>
-          <a:prstGeom prst="roundRect">
+          <a:prstGeom prst="ellipse">
             <a:avLst/>
           </a:prstGeom>
-          <a:solidFill>
-            <a:schemeClr val="accent4">
-              <a:lumMod val="60000"/>
-              <a:lumOff val="40000"/>
-            </a:schemeClr>
-          </a:solidFill>
+          <a:noFill/>
+          <a:ln>
+            <a:solidFill>
+              <a:srgbClr val="FF0000"/>
+            </a:solidFill>
+          </a:ln>
         </p:spPr>
         <p:style>
           <a:lnRef idx="2">
@@ -3714,21 +3724,66 @@
           <a:lstStyle/>
           <a:p>
             <a:pPr algn="ctr"/>
-            <a:r>
-              <a:rPr lang="it-IT" dirty="0">
-                <a:solidFill>
-                  <a:schemeClr val="tx1"/>
-                </a:solidFill>
-              </a:rPr>
-              <a:t>c</a:t>
-            </a:r>
+            <a:endParaRPr lang="it-IT"/>
+          </a:p>
+        </p:txBody>
+      </p:sp>
+      <p:sp>
+        <p:nvSpPr>
+          <p:cNvPr id="21" name="Ovale 20">
+            <a:extLst>
+              <a:ext uri="{FF2B5EF4-FFF2-40B4-BE49-F238E27FC236}">
+                <a16:creationId xmlns:a16="http://schemas.microsoft.com/office/drawing/2014/main" id="{B66CC4A7-C7C1-E8BC-1307-5E2D95B08B5D}"/>
+              </a:ext>
+            </a:extLst>
+          </p:cNvPr>
+          <p:cNvSpPr/>
+          <p:nvPr/>
+        </p:nvSpPr>
+        <p:spPr>
+          <a:xfrm rot="2647546">
+            <a:off x="10659481" y="2759021"/>
+            <a:ext cx="1445636" cy="1786854"/>
+          </a:xfrm>
+          <a:prstGeom prst="ellipse">
+            <a:avLst/>
+          </a:prstGeom>
+          <a:noFill/>
+          <a:ln>
+            <a:solidFill>
+              <a:srgbClr val="FF0000"/>
+            </a:solidFill>
+          </a:ln>
+        </p:spPr>
+        <p:style>
+          <a:lnRef idx="2">
+            <a:schemeClr val="accent1">
+              <a:shade val="50000"/>
+            </a:schemeClr>
+          </a:lnRef>
+          <a:fillRef idx="1">
+            <a:schemeClr val="accent1"/>
+          </a:fillRef>
+          <a:effectRef idx="0">
+            <a:schemeClr val="accent1"/>
+          </a:effectRef>
+          <a:fontRef idx="minor">
+            <a:schemeClr val="lt1"/>
+          </a:fontRef>
+        </p:style>
+        <p:txBody>
+          <a:bodyPr rtlCol="0" anchor="ctr"/>
+          <a:lstStyle/>
+          <a:p>
+            <a:pPr algn="ctr"/>
+            <a:endParaRPr lang="it-IT"/>
           </a:p>
         </p:txBody>
       </p:sp>
     </p:spTree>
     <p:extLst>
       <p:ext uri="{BB962C8B-B14F-4D97-AF65-F5344CB8AC3E}">
-        <p14:creationId xmlns:p14="http://schemas.microsoft.com/office/powerpoint/2010/main" val="3359133845"/>
+        <p14:creationId xmlns:p14="http://schemas.microsoft.com/office/powerpoint/2010/main" val="298149366"/>
       </p:ext>
     </p:extLst>
   </p:cSld>
